--- a/Java_PPT/#1_Introduction_of_Java.pptx
+++ b/Java_PPT/#1_Introduction_of_Java.pptx
@@ -5073,8 +5073,8 @@
           <p:nvPr/>
         </p:nvGraphicFramePr>
         <p:xfrm>
-          <a:off x="455612" y="2209800"/>
-          <a:ext cx="11041039" cy="3979026"/>
+          <a:off x="397295" y="1796098"/>
+          <a:ext cx="11041039" cy="4840085"/>
         </p:xfrm>
         <a:graphic>
           <a:graphicData uri="http://schemas.openxmlformats.org/drawingml/2006/table">
@@ -5102,7 +5102,17 @@
                           <a:latin typeface="Verdana"/>
                           <a:ea typeface="Verdana"/>
                         </a:rPr>
-                        <a:t>Java</a:t>
+                        <a:t>Java </a:t>
+                      </a:r>
+                      <a:r>
+                        <a:rPr lang="en-US" sz="2400" b="1" i="0" u="none" strike="noStrike" cap="none" spc="0">
+                          <a:solidFill>
+                            <a:schemeClr val="tx1"/>
+                          </a:solidFill>
+                          <a:latin typeface="Verdana"/>
+                          <a:cs typeface="Verdana"/>
+                        </a:rPr>
+                        <a:t>Introduction</a:t>
                       </a:r>
                       <a:endParaRPr/>
                     </a:p>
@@ -7247,7 +7257,7 @@
         <p:spPr bwMode="auto">
           <a:xfrm flipH="0" flipV="0">
             <a:off x="79743" y="1321835"/>
-            <a:ext cx="11911649" cy="4846680"/>
+            <a:ext cx="11911648" cy="4846680"/>
           </a:xfrm>
         </p:spPr>
         <p:txBody>
@@ -8296,7 +8306,7 @@
         </p:nvSpPr>
         <p:spPr bwMode="auto">
           <a:xfrm>
-            <a:off x="1730844" y="35766"/>
+            <a:off x="1672527" y="-40480"/>
             <a:ext cx="8374023" cy="701399"/>
           </a:xfrm>
           <a:prstGeom prst="rect">
@@ -8357,8 +8367,8 @@
         </p:nvSpPr>
         <p:spPr bwMode="auto">
           <a:xfrm flipH="0" flipV="0">
-            <a:off x="118622" y="835867"/>
-            <a:ext cx="11863054" cy="7041240"/>
+            <a:off x="118621" y="602601"/>
+            <a:ext cx="11863413" cy="6675480"/>
           </a:xfrm>
           <a:prstGeom prst="rect">
             <a:avLst/>
@@ -8411,20 +8421,6 @@
               </a:rPr>
               <a:t>area in Java include:</a:t>
             </a:r>
-            <a:endParaRPr lang="en-GB" sz="2400" b="1" i="0" u="none" strike="noStrike" cap="none" spc="0">
-              <a:solidFill>
-                <a:schemeClr val="accent6">
-                  <a:lumMod val="75000"/>
-                </a:schemeClr>
-              </a:solidFill>
-              <a:latin typeface="Constantia"/>
-              <a:cs typeface="Constantia"/>
-            </a:endParaRPr>
-          </a:p>
-          <a:p>
-            <a:pPr>
-              <a:defRPr/>
-            </a:pPr>
             <a:endParaRPr lang="en-GB" sz="2400" b="1" i="0" u="none" strike="noStrike" cap="none" spc="0">
               <a:solidFill>
                 <a:schemeClr val="accent6">
@@ -8749,7 +8745,7 @@
         </p:nvSpPr>
         <p:spPr bwMode="auto">
           <a:xfrm flipH="0" flipV="0">
-            <a:off x="118622" y="835867"/>
+            <a:off x="60305" y="641478"/>
             <a:ext cx="11872414" cy="6675480"/>
           </a:xfrm>
           <a:prstGeom prst="rect">
@@ -9124,8 +9120,8 @@
         </p:nvSpPr>
         <p:spPr bwMode="auto">
           <a:xfrm flipH="0" flipV="0">
-            <a:off x="674881" y="1282959"/>
-            <a:ext cx="11147651" cy="6065879"/>
+            <a:off x="157500" y="1282958"/>
+            <a:ext cx="11897250" cy="4480920"/>
           </a:xfrm>
           <a:prstGeom prst="rect">
             <a:avLst/>
@@ -9138,18 +9134,6 @@
           </a:bodyPr>
           <a:lstStyle/>
           <a:p>
-            <a:pPr algn="just">
-              <a:defRPr/>
-            </a:pPr>
-            <a:endParaRPr lang="en-GB" sz="2000" b="1" i="0"/>
-          </a:p>
-          <a:p>
-            <a:pPr>
-              <a:defRPr/>
-            </a:pPr>
-            <a:endParaRPr/>
-          </a:p>
-          <a:p>
             <a:pPr marL="305908" indent="-305908" algn="just">
               <a:buFont typeface="Wingdings"/>
               <a:buChar char="Ø"/>
@@ -9181,50 +9165,28 @@
             <a:endParaRPr/>
           </a:p>
           <a:p>
-            <a:pPr>
-              <a:defRPr/>
-            </a:pPr>
+            <a:pPr marL="305908" indent="-305908" algn="just">
+              <a:buFont typeface="Wingdings"/>
+              <a:buChar char="Ø"/>
+              <a:defRPr/>
+            </a:pPr>
+            <a:r>
+              <a:rPr lang="en-GB" sz="2000" b="0" i="0" u="none" strike="noStrike" cap="none" spc="0">
+                <a:solidFill>
+                  <a:schemeClr val="tx1"/>
+                </a:solidFill>
+                <a:latin typeface="Constantia"/>
+                <a:ea typeface="Liberation Sans"/>
+                <a:cs typeface="Constantia"/>
+              </a:rPr>
+              <a:t>In Java, the garbage collector runs in the background and periodically checks which objects are still in use. Objects that are no longer being used by the application are identified and their memory is freed up for use by the JVM. This automatic memory management system makes Java programs more reliable and easier to develop than programs written in languages that require manual memory management.</a:t>
+            </a:r>
             <a:endParaRPr lang="en-GB" sz="2000" b="0" i="0" u="none" strike="noStrike" cap="none" spc="0">
               <a:solidFill>
                 <a:schemeClr val="tx1"/>
               </a:solidFill>
               <a:latin typeface="Constantia"/>
               <a:cs typeface="Constantia"/>
-            </a:endParaRPr>
-          </a:p>
-          <a:p>
-            <a:pPr marL="305908" indent="-305908" algn="just">
-              <a:buFont typeface="Wingdings"/>
-              <a:buChar char="Ø"/>
-              <a:defRPr/>
-            </a:pPr>
-            <a:r>
-              <a:rPr lang="en-GB" sz="2000" b="0" i="0" u="none" strike="noStrike" cap="none" spc="0">
-                <a:solidFill>
-                  <a:schemeClr val="tx1"/>
-                </a:solidFill>
-                <a:latin typeface="Constantia"/>
-                <a:ea typeface="Liberation Sans"/>
-                <a:cs typeface="Constantia"/>
-              </a:rPr>
-              <a:t>In Java, the garbage collector runs in the background and periodically checks which objects are still in use. Objects that are no longer being used by the application are identified and their memory is freed up for use by the JVM. This automatic memory management system makes Java programs more reliable and easier to develop than programs written in languages that require manual memory management.</a:t>
-            </a:r>
-            <a:endParaRPr lang="en-GB" sz="2000" b="0" i="0" u="none" strike="noStrike" cap="none" spc="0">
-              <a:solidFill>
-                <a:schemeClr val="tx1"/>
-              </a:solidFill>
-              <a:latin typeface="Constantia"/>
-              <a:cs typeface="Constantia"/>
-            </a:endParaRPr>
-          </a:p>
-          <a:p>
-            <a:pPr algn="just">
-              <a:defRPr/>
-            </a:pPr>
-            <a:endParaRPr lang="en-GB" sz="2000" b="1">
-              <a:solidFill>
-                <a:schemeClr val="accent1"/>
-              </a:solidFill>
             </a:endParaRPr>
           </a:p>
           <a:p>
@@ -10602,8 +10564,8 @@
         </p:nvSpPr>
         <p:spPr bwMode="auto">
           <a:xfrm flipH="0" flipV="0">
-            <a:off x="140220" y="1593978"/>
-            <a:ext cx="11694911" cy="5943959"/>
+            <a:off x="246596" y="1399590"/>
+            <a:ext cx="11695630" cy="5212440"/>
           </a:xfrm>
           <a:prstGeom prst="rect">
             <a:avLst/>
@@ -10637,32 +10599,6 @@
                 <a:schemeClr val="accent6">
                   <a:lumMod val="50000"/>
                 </a:schemeClr>
-              </a:solidFill>
-              <a:latin typeface="Constantia"/>
-              <a:cs typeface="Constantia"/>
-            </a:endParaRPr>
-          </a:p>
-          <a:p>
-            <a:pPr>
-              <a:defRPr/>
-            </a:pPr>
-            <a:endParaRPr lang="en-US" sz="2400" b="1" i="0" u="none" strike="noStrike" cap="none" spc="0">
-              <a:solidFill>
-                <a:schemeClr val="accent6">
-                  <a:lumMod val="50000"/>
-                </a:schemeClr>
-              </a:solidFill>
-              <a:latin typeface="Constantia"/>
-              <a:cs typeface="Constantia"/>
-            </a:endParaRPr>
-          </a:p>
-          <a:p>
-            <a:pPr>
-              <a:defRPr/>
-            </a:pPr>
-            <a:endParaRPr lang="en-US" sz="2400" b="0" i="0" u="none" strike="noStrike" cap="none" spc="0">
-              <a:solidFill>
-                <a:schemeClr val="tx1"/>
               </a:solidFill>
               <a:latin typeface="Constantia"/>
               <a:cs typeface="Constantia"/>
@@ -10912,8 +10848,8 @@
         </p:nvSpPr>
         <p:spPr bwMode="auto">
           <a:xfrm flipH="0" flipV="0">
-            <a:off x="140220" y="1438467"/>
-            <a:ext cx="11707871" cy="5578199"/>
+            <a:off x="140220" y="1341272"/>
+            <a:ext cx="11708950" cy="4480920"/>
           </a:xfrm>
           <a:prstGeom prst="rect">
             <a:avLst/>
@@ -10968,6 +10904,28 @@
               <a:buChar char="Ø"/>
               <a:defRPr/>
             </a:pPr>
+            <a:r>
+              <a:rPr lang="en-US" sz="2400" b="1" i="0" u="none" strike="noStrike" cap="none" spc="0">
+                <a:solidFill>
+                  <a:schemeClr val="accent6"/>
+                </a:solidFill>
+                <a:latin typeface="Constantia"/>
+                <a:ea typeface="Liberation Sans"/>
+                <a:cs typeface="Constantia"/>
+              </a:rPr>
+              <a:t>IBM JDK: </a:t>
+            </a:r>
+            <a:r>
+              <a:rPr lang="en-US" sz="2400" b="0" i="0" u="none" strike="noStrike" cap="none" spc="0">
+                <a:solidFill>
+                  <a:schemeClr val="tx1"/>
+                </a:solidFill>
+                <a:latin typeface="Constantia"/>
+                <a:ea typeface="Liberation Sans"/>
+                <a:cs typeface="Constantia"/>
+              </a:rPr>
+              <a:t>This is a JDK distribution provided by IBM, which includes a range of features such as JIT (Just-In-Time) compiler, Java Flight Recorder, and Java Mission Control.</a:t>
+            </a:r>
             <a:endParaRPr lang="en-US" sz="2400" b="0" i="0" u="none" strike="noStrike" cap="none" spc="0">
               <a:solidFill>
                 <a:schemeClr val="tx1"/>
@@ -10991,7 +10949,7 @@
                 <a:ea typeface="Liberation Sans"/>
                 <a:cs typeface="Constantia"/>
               </a:rPr>
-              <a:t>IBM JDK: </a:t>
+              <a:t>Zulu JDK:</a:t>
             </a:r>
             <a:r>
               <a:rPr lang="en-US" sz="2400" b="0" i="0" u="none" strike="noStrike" cap="none" spc="0">
@@ -11002,72 +10960,8 @@
                 <a:ea typeface="Liberation Sans"/>
                 <a:cs typeface="Constantia"/>
               </a:rPr>
-              <a:t>This is a JDK distribution provided by IBM, which includes a range of features such as JIT (Just-In-Time) compiler, Java Flight Recorder, and Java Mission Control.</a:t>
-            </a:r>
-            <a:endParaRPr lang="en-US" sz="2400" b="0" i="0" u="none" strike="noStrike" cap="none" spc="0">
-              <a:solidFill>
-                <a:schemeClr val="tx1"/>
-              </a:solidFill>
-              <a:latin typeface="Constantia"/>
-              <a:cs typeface="Constantia"/>
-            </a:endParaRPr>
-          </a:p>
-          <a:p>
-            <a:pPr marL="349965" indent="-349965">
-              <a:buFont typeface="Wingdings"/>
-              <a:buChar char="Ø"/>
-              <a:defRPr/>
-            </a:pPr>
-            <a:endParaRPr lang="en-US" sz="2400" b="0" i="0" u="none" strike="noStrike" cap="none" spc="0">
-              <a:solidFill>
-                <a:schemeClr val="tx1"/>
-              </a:solidFill>
-              <a:latin typeface="Constantia"/>
-              <a:cs typeface="Constantia"/>
-            </a:endParaRPr>
-          </a:p>
-          <a:p>
-            <a:pPr marL="349965" indent="-349965">
-              <a:buFont typeface="Wingdings"/>
-              <a:buChar char="Ø"/>
-              <a:defRPr/>
-            </a:pPr>
-            <a:r>
-              <a:rPr lang="en-US" sz="2400" b="1" i="0" u="none" strike="noStrike" cap="none" spc="0">
-                <a:solidFill>
-                  <a:schemeClr val="accent6"/>
-                </a:solidFill>
-                <a:latin typeface="Constantia"/>
-                <a:ea typeface="Liberation Sans"/>
-                <a:cs typeface="Constantia"/>
-              </a:rPr>
-              <a:t>Zulu JDK:</a:t>
-            </a:r>
-            <a:r>
-              <a:rPr lang="en-US" sz="2400" b="0" i="0" u="none" strike="noStrike" cap="none" spc="0">
-                <a:solidFill>
-                  <a:schemeClr val="tx1"/>
-                </a:solidFill>
-                <a:latin typeface="Constantia"/>
-                <a:ea typeface="Liberation Sans"/>
-                <a:cs typeface="Constantia"/>
-              </a:rPr>
               <a:t> This is a JDK distribution provided by Azul Systems, which includes a range of features such as low-latency GC (Garbage Collection), Java Flight Recorder, and Java Mission Control.</a:t>
             </a:r>
-            <a:endParaRPr lang="en-US" sz="2400" b="0" i="0" u="none" strike="noStrike" cap="none" spc="0">
-              <a:solidFill>
-                <a:schemeClr val="tx1"/>
-              </a:solidFill>
-              <a:latin typeface="Constantia"/>
-              <a:cs typeface="Constantia"/>
-            </a:endParaRPr>
-          </a:p>
-          <a:p>
-            <a:pPr marL="349965" indent="-349965">
-              <a:buFont typeface="Wingdings"/>
-              <a:buChar char="Ø"/>
-              <a:defRPr/>
-            </a:pPr>
             <a:endParaRPr lang="en-US" sz="2400" b="0" i="0" u="none" strike="noStrike" cap="none" spc="0">
               <a:solidFill>
                 <a:schemeClr val="tx1"/>

--- a/Java_PPT/#1_Introduction_of_Java.pptx
+++ b/Java_PPT/#1_Introduction_of_Java.pptx
@@ -5097,7 +5097,7 @@
                       <a:r>
                         <a:rPr lang="en-US" sz="2400">
                           <a:solidFill>
-                            <a:schemeClr val="tx1"/>
+                            <a:schemeClr val="bg1"/>
                           </a:solidFill>
                           <a:latin typeface="Verdana"/>
                           <a:ea typeface="Verdana"/>
@@ -5107,17 +5107,21 @@
                       <a:r>
                         <a:rPr lang="en-US" sz="2400" b="1" i="0" u="none" strike="noStrike" cap="none" spc="0">
                           <a:solidFill>
-                            <a:schemeClr val="tx1"/>
+                            <a:schemeClr val="bg1"/>
                           </a:solidFill>
                           <a:latin typeface="Verdana"/>
                           <a:cs typeface="Verdana"/>
                         </a:rPr>
                         <a:t>Introduction</a:t>
                       </a:r>
-                      <a:endParaRPr/>
+                      <a:endParaRPr>
+                        <a:solidFill>
+                          <a:schemeClr val="bg1"/>
+                        </a:solidFill>
+                      </a:endParaRPr>
                     </a:p>
                   </a:txBody>
-                  <a:tcPr anchor="ctr"/>
+                  <a:tcPr anchor="t"/>
                 </a:tc>
                 <a:tc hMerge="1">
                   <a:txBody>
@@ -5719,7 +5723,7 @@
         </p:blipFill>
         <p:spPr bwMode="auto">
           <a:xfrm>
-            <a:off x="-382588" y="334658"/>
+            <a:off x="-654730" y="120831"/>
             <a:ext cx="12109490" cy="6492862"/>
           </a:xfrm>
           <a:prstGeom prst="rect">
@@ -6617,8 +6621,8 @@
         </p:nvSpPr>
         <p:spPr bwMode="auto">
           <a:xfrm flipH="0" flipV="0">
-            <a:off x="174948" y="1321836"/>
-            <a:ext cx="11731131" cy="5578199"/>
+            <a:off x="174946" y="1321834"/>
+            <a:ext cx="11607660" cy="5212440"/>
           </a:xfrm>
           <a:prstGeom prst="rect">
             <a:avLst/>
@@ -6766,30 +6770,60 @@
             <a:endParaRPr/>
           </a:p>
           <a:p>
-            <a:pPr algn="l">
-              <a:defRPr/>
-            </a:pPr>
-            <a:endParaRPr/>
-          </a:p>
-          <a:p>
             <a:pPr algn="ctr">
               <a:defRPr/>
             </a:pPr>
-            <a:r>
-              <a:rPr lang="en-US" sz="4800" b="1" i="0" u="sng" strike="noStrike" cap="none" spc="0">
-                <a:solidFill>
-                  <a:srgbClr val="FF0000"/>
-                </a:solidFill>
-                <a:latin typeface="+mn-lt"/>
-                <a:ea typeface="+mn-ea"/>
-                <a:cs typeface="+mn-cs"/>
-                <a:hlinkClick r:id="rId2" tooltip="Java Features"/>
-              </a:rPr>
-              <a:t>1995_Java_whitepaper.pdf</a:t>
-            </a:r>
             <a:endParaRPr sz="4800" b="1">
               <a:solidFill>
                 <a:srgbClr val="FF0000"/>
+              </a:solidFill>
+            </a:endParaRPr>
+          </a:p>
+        </p:txBody>
+      </p:sp>
+      <p:sp>
+        <p:nvSpPr>
+          <p:cNvPr id="2053782850" name=""/>
+          <p:cNvSpPr txBox="1"/>
+          <p:nvPr/>
+        </p:nvSpPr>
+        <p:spPr bwMode="auto">
+          <a:xfrm flipH="0" flipV="0">
+            <a:off x="3668222" y="5766318"/>
+            <a:ext cx="3881880" cy="457560"/>
+          </a:xfrm>
+          <a:prstGeom prst="rect">
+            <a:avLst/>
+          </a:prstGeom>
+          <a:noFill/>
+        </p:spPr>
+        <p:txBody>
+          <a:bodyPr vertOverflow="overflow" horzOverflow="overflow" vert="horz" wrap="square" lIns="91440" tIns="45720" rIns="91440" bIns="45720" numCol="1" spcCol="0" rtlCol="0" fromWordArt="0" anchor="t" anchorCtr="0" forceAA="0" upright="0" compatLnSpc="0">
+            <a:spAutoFit/>
+          </a:bodyPr>
+          <a:p>
+            <a:pPr algn="l">
+              <a:defRPr/>
+            </a:pPr>
+            <a:r>
+              <a:rPr lang="en-US" b="1" i="0" u="sng" strike="noStrike" cap="none" spc="0">
+                <a:solidFill>
+                  <a:schemeClr val="accent6">
+                    <a:lumMod val="75000"/>
+                  </a:schemeClr>
+                </a:solidFill>
+                <a:latin typeface="Constantia"/>
+                <a:ea typeface="Arial"/>
+                <a:cs typeface="Arial"/>
+                <a:hlinkClick r:id="rId2" tooltip="Java Features"/>
+              </a:rPr>
+              <a:t>1995_Java_whitepaper.pdf</a:t>
+            </a:r>
+            <a:endParaRPr sz="4800" b="1">
+              <a:solidFill>
+                <a:schemeClr val="accent6">
+                  <a:lumMod val="75000"/>
+                </a:schemeClr>
               </a:solidFill>
             </a:endParaRPr>
           </a:p>
@@ -8306,8 +8340,8 @@
         </p:nvSpPr>
         <p:spPr bwMode="auto">
           <a:xfrm>
-            <a:off x="1672527" y="-40480"/>
-            <a:ext cx="8374023" cy="701399"/>
+            <a:off x="1672526" y="-40479"/>
+            <a:ext cx="7554975" cy="640440"/>
           </a:xfrm>
           <a:prstGeom prst="rect">
             <a:avLst/>
@@ -8338,7 +8372,7 @@
               <a:defRPr/>
             </a:pPr>
             <a:r>
-              <a:rPr lang="en-US" sz="4000" b="1">
+              <a:rPr lang="en-US" sz="3600" b="1">
                 <a:solidFill>
                   <a:schemeClr val="dk1"/>
                 </a:solidFill>
@@ -8367,7 +8401,7 @@
         </p:nvSpPr>
         <p:spPr bwMode="auto">
           <a:xfrm flipH="0" flipV="0">
-            <a:off x="118621" y="602601"/>
+            <a:off x="162705" y="466529"/>
             <a:ext cx="11863413" cy="6675480"/>
           </a:xfrm>
           <a:prstGeom prst="rect">
@@ -8661,9 +8695,9 @@
           <p:nvPr/>
         </p:nvSpPr>
         <p:spPr bwMode="auto">
-          <a:xfrm>
-            <a:off x="1730844" y="35766"/>
-            <a:ext cx="9701950" cy="701399"/>
+          <a:xfrm flipH="0" flipV="0">
+            <a:off x="699390" y="-76717"/>
+            <a:ext cx="10790404" cy="640440"/>
           </a:xfrm>
           <a:prstGeom prst="rect">
             <a:avLst/>
@@ -8674,7 +8708,7 @@
           </a:ln>
         </p:spPr>
         <p:txBody>
-          <a:bodyPr wrap="none" anchor="t">
+          <a:bodyPr wrap="square" anchor="t">
             <a:spAutoFit/>
           </a:bodyPr>
           <a:lstStyle/>
@@ -8694,7 +8728,7 @@
               <a:defRPr/>
             </a:pPr>
             <a:r>
-              <a:rPr lang="en-US" sz="4000" b="1" i="0" u="none" strike="noStrike" cap="none" spc="0">
+              <a:rPr lang="en-US" sz="3600" b="1" i="0" u="none" strike="noStrike" cap="none" spc="0">
                 <a:solidFill>
                   <a:schemeClr val="tx1"/>
                 </a:solidFill>
@@ -8705,7 +8739,7 @@
               <a:t>Metaspace</a:t>
             </a:r>
             <a:r>
-              <a:rPr lang="en-US" sz="4000" b="0" i="0" u="none" strike="noStrike" cap="none" spc="0">
+              <a:rPr lang="en-US" sz="3600" b="0" i="0" u="none" strike="noStrike" cap="none" spc="0">
                 <a:solidFill>
                   <a:schemeClr val="tx1"/>
                 </a:solidFill>
@@ -8716,7 +8750,7 @@
               <a:t> </a:t>
             </a:r>
             <a:r>
-              <a:rPr lang="en-US" sz="4000" b="1">
+              <a:rPr lang="en-US" sz="3600" b="1">
                 <a:solidFill>
                   <a:schemeClr val="dk1"/>
                 </a:solidFill>
@@ -8745,7 +8779,7 @@
         </p:nvSpPr>
         <p:spPr bwMode="auto">
           <a:xfrm flipH="0" flipV="0">
-            <a:off x="60305" y="641478"/>
+            <a:off x="158205" y="408212"/>
             <a:ext cx="11872414" cy="6675480"/>
           </a:xfrm>
           <a:prstGeom prst="rect">
@@ -9558,7 +9592,7 @@
         </p:nvSpPr>
         <p:spPr bwMode="auto">
           <a:xfrm flipH="0" flipV="0">
-            <a:off x="157500" y="1282958"/>
+            <a:off x="257756" y="892674"/>
             <a:ext cx="11673311" cy="5517239"/>
           </a:xfrm>
           <a:prstGeom prst="rect">
@@ -15256,45 +15290,6 @@
       </p:grpSpPr>
       <p:sp>
         <p:nvSpPr>
-          <p:cNvPr id="3" name="Content Placeholder 2"/>
-          <p:cNvSpPr>
-            <a:spLocks noGrp="1"/>
-          </p:cNvSpPr>
-          <p:nvPr>
-            <p:ph sz="half" idx="1"/>
-          </p:nvPr>
-        </p:nvSpPr>
-        <p:spPr bwMode="auto">
-          <a:xfrm>
-            <a:off x="1065212" y="756161"/>
-            <a:ext cx="10820400" cy="946052"/>
-          </a:xfrm>
-        </p:spPr>
-        <p:txBody>
-          <a:bodyPr>
-            <a:normAutofit/>
-          </a:bodyPr>
-          <a:lstStyle/>
-          <a:p>
-            <a:pPr>
-              <a:buFont typeface="Wingdings"/>
-              <a:buChar char="Ø"/>
-              <a:defRPr/>
-            </a:pPr>
-            <a:r>
-              <a:rPr lang="en-US" sz="2800"/>
-              <a:t>Java was developed by James Gosling, who is known as the father of Java, in 1995</a:t>
-            </a:r>
-            <a:r>
-              <a:rPr lang="en-IN"/>
-              <a:t>.</a:t>
-            </a:r>
-            <a:endParaRPr/>
-          </a:p>
-        </p:txBody>
-      </p:sp>
-      <p:sp>
-        <p:nvSpPr>
           <p:cNvPr id="4" name="Rectangle 3"/>
           <p:cNvSpPr/>
           <p:nvPr/>
@@ -15343,832 +15338,186 @@
           </a:p>
         </p:txBody>
       </p:sp>
-      <p:graphicFrame>
-        <p:nvGraphicFramePr>
-          <p:cNvPr id="7" name="Table 3"/>
-          <p:cNvGraphicFramePr>
-            <a:graphicFrameLocks xmlns:a="http://schemas.openxmlformats.org/drawingml/2006/main"/>
-          </p:cNvGraphicFramePr>
+      <p:sp>
+        <p:nvSpPr>
+          <p:cNvPr id="934866887" name=""/>
+          <p:cNvSpPr txBox="1"/>
           <p:nvPr/>
-        </p:nvGraphicFramePr>
-        <p:xfrm>
-          <a:off x="455612" y="1642946"/>
-          <a:ext cx="11277600" cy="4954498"/>
-        </p:xfrm>
-        <a:graphic>
-          <a:graphicData uri="http://schemas.openxmlformats.org/drawingml/2006/table">
-            <a:tbl>
-              <a:tblPr firstRow="1" firstCol="0" lastRow="0" lastCol="0" bandRow="1" bandCol="0">
-                <a:tableStyleId>{5C22544A-7EE6-4342-B048-85BDC9FD1C3A}</a:tableStyleId>
-              </a:tblPr>
-              <a:tblGrid>
-                <a:gridCol w="3759200"/>
-                <a:gridCol w="3759200"/>
-                <a:gridCol w="3759200"/>
-              </a:tblGrid>
-              <a:tr h="337801">
-                <a:tc>
-                  <a:txBody>
-                    <a:bodyPr/>
-                    <a:p>
-                      <a:pPr algn="ctr">
-                        <a:spcAft>
-                          <a:spcPts val="0"/>
-                        </a:spcAft>
-                        <a:defRPr/>
-                      </a:pPr>
-                      <a:r>
-                        <a:rPr lang="en-US" sz="2000" b="1">
-                          <a:solidFill>
-                            <a:srgbClr val="FFFFFF"/>
-                          </a:solidFill>
-                          <a:latin typeface="Times New Roman"/>
-                          <a:cs typeface="Times New Roman"/>
-                        </a:rPr>
-                        <a:t>Java SE Version </a:t>
-                      </a:r>
-                      <a:endParaRPr lang="en-US" sz="2000">
-                        <a:latin typeface="Times New Roman"/>
-                        <a:cs typeface="Times New Roman"/>
-                      </a:endParaRPr>
-                    </a:p>
-                  </a:txBody>
-                  <a:tcPr marL="11637" marR="11637" marT="12930" marB="12930"/>
-                </a:tc>
-                <a:tc>
-                  <a:txBody>
-                    <a:bodyPr/>
-                    <a:p>
-                      <a:pPr algn="ctr">
-                        <a:spcAft>
-                          <a:spcPts val="0"/>
-                        </a:spcAft>
-                        <a:defRPr/>
-                      </a:pPr>
-                      <a:r>
-                        <a:rPr lang="en-US" sz="2000">
-                          <a:latin typeface="Times New Roman"/>
-                          <a:cs typeface="Times New Roman"/>
-                        </a:rPr>
-                        <a:t> </a:t>
-                      </a:r>
-                      <a:r>
-                        <a:rPr lang="en-US" sz="2000" b="1">
-                          <a:solidFill>
-                            <a:srgbClr val="FFFFFF"/>
-                          </a:solidFill>
-                          <a:latin typeface="Times New Roman"/>
-                          <a:cs typeface="Times New Roman"/>
-                        </a:rPr>
-                        <a:t>Version Number</a:t>
-                      </a:r>
-                      <a:endParaRPr lang="en-US" sz="2000">
-                        <a:latin typeface="Times New Roman"/>
-                        <a:cs typeface="Times New Roman"/>
-                      </a:endParaRPr>
-                    </a:p>
-                  </a:txBody>
-                  <a:tcPr marL="11637" marR="11637" marT="12930" marB="12930"/>
-                </a:tc>
-                <a:tc>
-                  <a:txBody>
-                    <a:bodyPr/>
-                    <a:p>
-                      <a:pPr algn="ctr">
-                        <a:spcAft>
-                          <a:spcPts val="0"/>
-                        </a:spcAft>
-                        <a:defRPr/>
-                      </a:pPr>
-                      <a:r>
-                        <a:rPr lang="en-US" sz="2000">
-                          <a:latin typeface="Times New Roman"/>
-                          <a:cs typeface="Times New Roman"/>
-                        </a:rPr>
-                        <a:t> </a:t>
-                      </a:r>
-                      <a:r>
-                        <a:rPr lang="en-US" sz="2000" b="1">
-                          <a:solidFill>
-                            <a:srgbClr val="FFFFFF"/>
-                          </a:solidFill>
-                          <a:latin typeface="Times New Roman"/>
-                          <a:cs typeface="Times New Roman"/>
-                        </a:rPr>
-                        <a:t>Release Date</a:t>
-                      </a:r>
-                      <a:endParaRPr lang="en-US" sz="2000">
-                        <a:latin typeface="Times New Roman"/>
-                        <a:cs typeface="Times New Roman"/>
-                      </a:endParaRPr>
-                    </a:p>
-                  </a:txBody>
-                  <a:tcPr marL="11637" marR="11637" marT="12930" marB="12930"/>
-                </a:tc>
-              </a:tr>
-              <a:tr h="580691">
-                <a:tc>
-                  <a:txBody>
-                    <a:bodyPr/>
-                    <a:p>
-                      <a:pPr>
-                        <a:spcAft>
-                          <a:spcPts val="0"/>
-                        </a:spcAft>
-                        <a:defRPr/>
-                      </a:pPr>
-                      <a:r>
-                        <a:rPr lang="en-US" sz="2000">
-                          <a:latin typeface="Times New Roman"/>
-                          <a:cs typeface="Times New Roman"/>
-                        </a:rPr>
-                        <a:t> </a:t>
-                      </a:r>
-                      <a:endParaRPr/>
-                    </a:p>
-                    <a:p>
-                      <a:pPr>
-                        <a:spcAft>
-                          <a:spcPts val="0"/>
-                        </a:spcAft>
-                        <a:defRPr/>
-                      </a:pPr>
-                      <a:r>
-                        <a:rPr lang="en-US" sz="2000" b="1">
-                          <a:latin typeface="Times New Roman"/>
-                          <a:cs typeface="Times New Roman"/>
-                        </a:rPr>
-                        <a:t>JDK 1.0</a:t>
-                      </a:r>
-                      <a:endParaRPr lang="en-US" sz="2000">
-                        <a:latin typeface="Times New Roman"/>
-                        <a:cs typeface="Times New Roman"/>
-                      </a:endParaRPr>
-                    </a:p>
-                  </a:txBody>
-                  <a:tcPr marL="11637" marR="11637" marT="12930" marB="12930"/>
-                </a:tc>
-                <a:tc>
-                  <a:txBody>
-                    <a:bodyPr/>
-                    <a:p>
-                      <a:pPr algn="ctr">
-                        <a:spcAft>
-                          <a:spcPts val="0"/>
-                        </a:spcAft>
-                        <a:defRPr/>
-                      </a:pPr>
-                      <a:r>
-                        <a:rPr lang="en-US" sz="2000">
-                          <a:latin typeface="Times New Roman"/>
-                          <a:cs typeface="Times New Roman"/>
-                        </a:rPr>
-                        <a:t> </a:t>
-                      </a:r>
-                      <a:endParaRPr/>
-                    </a:p>
-                    <a:p>
-                      <a:pPr algn="ctr">
-                        <a:spcAft>
-                          <a:spcPts val="0"/>
-                        </a:spcAft>
-                        <a:defRPr/>
-                      </a:pPr>
-                      <a:r>
-                        <a:rPr lang="en-US" sz="2000">
-                          <a:latin typeface="Times New Roman"/>
-                          <a:cs typeface="Times New Roman"/>
-                        </a:rPr>
-                        <a:t>1.0</a:t>
-                      </a:r>
-                      <a:endParaRPr/>
-                    </a:p>
-                  </a:txBody>
-                  <a:tcPr marL="11637" marR="11637" marT="12930" marB="12930"/>
-                </a:tc>
-                <a:tc>
-                  <a:txBody>
-                    <a:bodyPr/>
-                    <a:p>
-                      <a:pPr algn="ctr">
-                        <a:spcAft>
-                          <a:spcPts val="0"/>
-                        </a:spcAft>
-                        <a:defRPr/>
-                      </a:pPr>
-                      <a:r>
-                        <a:rPr lang="en-US" sz="2000">
-                          <a:latin typeface="Times New Roman"/>
-                          <a:cs typeface="Times New Roman"/>
-                        </a:rPr>
-                        <a:t> </a:t>
-                      </a:r>
-                      <a:endParaRPr/>
-                    </a:p>
-                    <a:p>
-                      <a:pPr algn="ctr">
-                        <a:spcAft>
-                          <a:spcPts val="0"/>
-                        </a:spcAft>
-                        <a:defRPr/>
-                      </a:pPr>
-                      <a:r>
-                        <a:rPr lang="en-US" sz="2000">
-                          <a:latin typeface="Times New Roman"/>
-                          <a:cs typeface="Times New Roman"/>
-                        </a:rPr>
-                        <a:t>January 1996</a:t>
-                      </a:r>
-                      <a:endParaRPr/>
-                    </a:p>
-                  </a:txBody>
-                  <a:tcPr marL="11637" marR="11637" marT="12930" marB="12930"/>
-                </a:tc>
-              </a:tr>
-              <a:tr h="722005">
-                <a:tc>
-                  <a:txBody>
-                    <a:bodyPr/>
-                    <a:p>
-                      <a:pPr>
-                        <a:spcAft>
-                          <a:spcPts val="0"/>
-                        </a:spcAft>
-                        <a:defRPr/>
-                      </a:pPr>
-                      <a:r>
-                        <a:rPr lang="en-US" sz="2000">
-                          <a:latin typeface="Times New Roman"/>
-                          <a:cs typeface="Times New Roman"/>
-                        </a:rPr>
-                        <a:t> </a:t>
-                      </a:r>
-                      <a:endParaRPr/>
-                    </a:p>
-                    <a:p>
-                      <a:pPr>
-                        <a:spcAft>
-                          <a:spcPts val="0"/>
-                        </a:spcAft>
-                        <a:defRPr/>
-                      </a:pPr>
-                      <a:r>
-                        <a:rPr lang="en-US" sz="2000" b="1">
-                          <a:latin typeface="Times New Roman"/>
-                          <a:cs typeface="Times New Roman"/>
-                        </a:rPr>
-                        <a:t>JDK 1.1</a:t>
-                      </a:r>
-                      <a:endParaRPr lang="en-US" sz="2000">
-                        <a:latin typeface="Times New Roman"/>
-                        <a:cs typeface="Times New Roman"/>
-                      </a:endParaRPr>
-                    </a:p>
-                  </a:txBody>
-                  <a:tcPr marL="11637" marR="11637" marT="12930" marB="12930"/>
-                </a:tc>
-                <a:tc>
-                  <a:txBody>
-                    <a:bodyPr/>
-                    <a:p>
-                      <a:pPr algn="ctr">
-                        <a:spcAft>
-                          <a:spcPts val="0"/>
-                        </a:spcAft>
-                        <a:defRPr/>
-                      </a:pPr>
-                      <a:r>
-                        <a:rPr lang="en-US" sz="2000">
-                          <a:latin typeface="Times New Roman"/>
-                          <a:cs typeface="Times New Roman"/>
-                        </a:rPr>
-                        <a:t> </a:t>
-                      </a:r>
-                      <a:endParaRPr/>
-                    </a:p>
-                    <a:p>
-                      <a:pPr algn="ctr">
-                        <a:spcAft>
-                          <a:spcPts val="0"/>
-                        </a:spcAft>
-                        <a:defRPr/>
-                      </a:pPr>
-                      <a:r>
-                        <a:rPr lang="en-US" sz="2000">
-                          <a:latin typeface="Times New Roman"/>
-                          <a:cs typeface="Times New Roman"/>
-                        </a:rPr>
-                        <a:t>1.1</a:t>
-                      </a:r>
-                      <a:endParaRPr/>
-                    </a:p>
-                  </a:txBody>
-                  <a:tcPr marL="11637" marR="11637" marT="12930" marB="12930"/>
-                </a:tc>
-                <a:tc>
-                  <a:txBody>
-                    <a:bodyPr/>
-                    <a:p>
-                      <a:pPr algn="ctr">
-                        <a:spcAft>
-                          <a:spcPts val="0"/>
-                        </a:spcAft>
-                        <a:defRPr/>
-                      </a:pPr>
-                      <a:r>
-                        <a:rPr lang="en-US" sz="2000">
-                          <a:latin typeface="Times New Roman"/>
-                          <a:cs typeface="Times New Roman"/>
-                        </a:rPr>
-                        <a:t> </a:t>
-                      </a:r>
-                      <a:endParaRPr/>
-                    </a:p>
-                    <a:p>
-                      <a:pPr algn="ctr">
-                        <a:spcAft>
-                          <a:spcPts val="0"/>
-                        </a:spcAft>
-                        <a:defRPr/>
-                      </a:pPr>
-                      <a:r>
-                        <a:rPr lang="en-US" sz="2000">
-                          <a:latin typeface="Times New Roman"/>
-                          <a:cs typeface="Times New Roman"/>
-                        </a:rPr>
-                        <a:t>February 1997</a:t>
-                      </a:r>
-                      <a:endParaRPr/>
-                    </a:p>
-                  </a:txBody>
-                  <a:tcPr marL="11637" marR="11637" marT="12930" marB="12930"/>
-                </a:tc>
-              </a:tr>
-              <a:tr h="722005">
-                <a:tc>
-                  <a:txBody>
-                    <a:bodyPr/>
-                    <a:p>
-                      <a:pPr>
-                        <a:spcAft>
-                          <a:spcPts val="0"/>
-                        </a:spcAft>
-                        <a:defRPr/>
-                      </a:pPr>
-                      <a:r>
-                        <a:rPr lang="en-US" sz="2000">
-                          <a:latin typeface="Times New Roman"/>
-                          <a:cs typeface="Times New Roman"/>
-                        </a:rPr>
-                        <a:t> </a:t>
-                      </a:r>
-                      <a:endParaRPr/>
-                    </a:p>
-                    <a:p>
-                      <a:pPr>
-                        <a:spcAft>
-                          <a:spcPts val="0"/>
-                        </a:spcAft>
-                        <a:defRPr/>
-                      </a:pPr>
-                      <a:r>
-                        <a:rPr lang="en-US" sz="2000" b="1">
-                          <a:latin typeface="Times New Roman"/>
-                          <a:cs typeface="Times New Roman"/>
-                        </a:rPr>
-                        <a:t>J2SE 1.2</a:t>
-                      </a:r>
-                      <a:endParaRPr lang="en-US" sz="2000">
-                        <a:latin typeface="Times New Roman"/>
-                        <a:cs typeface="Times New Roman"/>
-                      </a:endParaRPr>
-                    </a:p>
-                  </a:txBody>
-                  <a:tcPr marL="11637" marR="11637" marT="12930" marB="12930"/>
-                </a:tc>
-                <a:tc>
-                  <a:txBody>
-                    <a:bodyPr/>
-                    <a:p>
-                      <a:pPr algn="ctr">
-                        <a:spcAft>
-                          <a:spcPts val="0"/>
-                        </a:spcAft>
-                        <a:defRPr/>
-                      </a:pPr>
-                      <a:r>
-                        <a:rPr lang="en-US" sz="2000">
-                          <a:latin typeface="Times New Roman"/>
-                          <a:cs typeface="Times New Roman"/>
-                        </a:rPr>
-                        <a:t> </a:t>
-                      </a:r>
-                      <a:endParaRPr/>
-                    </a:p>
-                    <a:p>
-                      <a:pPr algn="ctr">
-                        <a:spcAft>
-                          <a:spcPts val="0"/>
-                        </a:spcAft>
-                        <a:defRPr/>
-                      </a:pPr>
-                      <a:r>
-                        <a:rPr lang="en-US" sz="2000">
-                          <a:latin typeface="Times New Roman"/>
-                          <a:cs typeface="Times New Roman"/>
-                        </a:rPr>
-                        <a:t>1.2</a:t>
-                      </a:r>
-                      <a:endParaRPr/>
-                    </a:p>
-                  </a:txBody>
-                  <a:tcPr marL="11637" marR="11637" marT="12930" marB="12930"/>
-                </a:tc>
-                <a:tc>
-                  <a:txBody>
-                    <a:bodyPr/>
-                    <a:p>
-                      <a:pPr algn="ctr">
-                        <a:spcAft>
-                          <a:spcPts val="0"/>
-                        </a:spcAft>
-                        <a:defRPr/>
-                      </a:pPr>
-                      <a:r>
-                        <a:rPr lang="en-US" sz="2000">
-                          <a:latin typeface="Times New Roman"/>
-                          <a:cs typeface="Times New Roman"/>
-                        </a:rPr>
-                        <a:t> </a:t>
-                      </a:r>
-                      <a:endParaRPr/>
-                    </a:p>
-                    <a:p>
-                      <a:pPr algn="ctr">
-                        <a:spcAft>
-                          <a:spcPts val="0"/>
-                        </a:spcAft>
-                        <a:defRPr/>
-                      </a:pPr>
-                      <a:r>
-                        <a:rPr lang="en-US" sz="2000">
-                          <a:latin typeface="Times New Roman"/>
-                          <a:cs typeface="Times New Roman"/>
-                        </a:rPr>
-                        <a:t>December 1998</a:t>
-                      </a:r>
-                      <a:endParaRPr/>
-                    </a:p>
-                  </a:txBody>
-                  <a:tcPr marL="11637" marR="11637" marT="12930" marB="12930"/>
-                </a:tc>
-              </a:tr>
-              <a:tr h="722005">
-                <a:tc>
-                  <a:txBody>
-                    <a:bodyPr/>
-                    <a:p>
-                      <a:pPr>
-                        <a:spcAft>
-                          <a:spcPts val="0"/>
-                        </a:spcAft>
-                        <a:defRPr/>
-                      </a:pPr>
-                      <a:r>
-                        <a:rPr lang="en-US" sz="2000">
-                          <a:latin typeface="Times New Roman"/>
-                          <a:cs typeface="Times New Roman"/>
-                        </a:rPr>
-                        <a:t> </a:t>
-                      </a:r>
-                      <a:endParaRPr/>
-                    </a:p>
-                    <a:p>
-                      <a:pPr>
-                        <a:spcAft>
-                          <a:spcPts val="0"/>
-                        </a:spcAft>
-                        <a:defRPr/>
-                      </a:pPr>
-                      <a:r>
-                        <a:rPr lang="en-US" sz="2000" b="1">
-                          <a:latin typeface="Times New Roman"/>
-                          <a:cs typeface="Times New Roman"/>
-                        </a:rPr>
-                        <a:t>J2SE 1.3</a:t>
-                      </a:r>
-                      <a:endParaRPr lang="en-US" sz="2000">
-                        <a:latin typeface="Times New Roman"/>
-                        <a:cs typeface="Times New Roman"/>
-                      </a:endParaRPr>
-                    </a:p>
-                  </a:txBody>
-                  <a:tcPr marL="11637" marR="11637" marT="12930" marB="12930"/>
-                </a:tc>
-                <a:tc>
-                  <a:txBody>
-                    <a:bodyPr/>
-                    <a:p>
-                      <a:pPr algn="ctr">
-                        <a:spcAft>
-                          <a:spcPts val="0"/>
-                        </a:spcAft>
-                        <a:defRPr/>
-                      </a:pPr>
-                      <a:r>
-                        <a:rPr lang="en-US" sz="2000">
-                          <a:latin typeface="Times New Roman"/>
-                          <a:cs typeface="Times New Roman"/>
-                        </a:rPr>
-                        <a:t> </a:t>
-                      </a:r>
-                      <a:endParaRPr/>
-                    </a:p>
-                    <a:p>
-                      <a:pPr algn="ctr">
-                        <a:spcAft>
-                          <a:spcPts val="0"/>
-                        </a:spcAft>
-                        <a:defRPr/>
-                      </a:pPr>
-                      <a:r>
-                        <a:rPr lang="en-US" sz="2000">
-                          <a:latin typeface="Times New Roman"/>
-                          <a:cs typeface="Times New Roman"/>
-                        </a:rPr>
-                        <a:t>1.3</a:t>
-                      </a:r>
-                      <a:endParaRPr/>
-                    </a:p>
-                  </a:txBody>
-                  <a:tcPr marL="11637" marR="11637" marT="12930" marB="12930"/>
-                </a:tc>
-                <a:tc>
-                  <a:txBody>
-                    <a:bodyPr/>
-                    <a:p>
-                      <a:pPr algn="ctr">
-                        <a:spcAft>
-                          <a:spcPts val="0"/>
-                        </a:spcAft>
-                        <a:defRPr/>
-                      </a:pPr>
-                      <a:r>
-                        <a:rPr lang="en-US" sz="2000">
-                          <a:latin typeface="Times New Roman"/>
-                          <a:cs typeface="Times New Roman"/>
-                        </a:rPr>
-                        <a:t> </a:t>
-                      </a:r>
-                      <a:endParaRPr/>
-                    </a:p>
-                    <a:p>
-                      <a:pPr algn="ctr">
-                        <a:spcAft>
-                          <a:spcPts val="0"/>
-                        </a:spcAft>
-                        <a:defRPr/>
-                      </a:pPr>
-                      <a:r>
-                        <a:rPr lang="en-US" sz="2000">
-                          <a:latin typeface="Times New Roman"/>
-                          <a:cs typeface="Times New Roman"/>
-                        </a:rPr>
-                        <a:t>May 2000</a:t>
-                      </a:r>
-                      <a:endParaRPr/>
-                    </a:p>
-                  </a:txBody>
-                  <a:tcPr marL="11637" marR="11637" marT="12930" marB="12930"/>
-                </a:tc>
-              </a:tr>
-              <a:tr h="696324">
-                <a:tc>
-                  <a:txBody>
-                    <a:bodyPr/>
-                    <a:p>
-                      <a:pPr marL="0" algn="l" defTabSz="1218987">
-                        <a:spcAft>
-                          <a:spcPts val="0"/>
-                        </a:spcAft>
-                        <a:defRPr/>
-                      </a:pPr>
-                      <a:endParaRPr lang="en-US" sz="2000">
-                        <a:solidFill>
-                          <a:schemeClr val="dk1"/>
-                        </a:solidFill>
-                        <a:latin typeface="Times New Roman"/>
-                        <a:ea typeface="+mn-ea"/>
-                        <a:cs typeface="Times New Roman"/>
-                      </a:endParaRPr>
-                    </a:p>
-                    <a:p>
-                      <a:pPr marL="0" algn="l" defTabSz="1218987">
-                        <a:spcAft>
-                          <a:spcPts val="0"/>
-                        </a:spcAft>
-                        <a:defRPr/>
-                      </a:pPr>
-                      <a:r>
-                        <a:rPr lang="en-US" sz="2000" b="1">
-                          <a:solidFill>
-                            <a:schemeClr val="dk1"/>
-                          </a:solidFill>
-                          <a:latin typeface="Times New Roman"/>
-                          <a:ea typeface="+mn-ea"/>
-                          <a:cs typeface="Times New Roman"/>
-                        </a:rPr>
-                        <a:t>J2SE 1.4</a:t>
-                      </a:r>
-                      <a:endParaRPr lang="en-US" sz="2000">
-                        <a:solidFill>
-                          <a:schemeClr val="dk1"/>
-                        </a:solidFill>
-                        <a:latin typeface="Times New Roman"/>
-                        <a:ea typeface="+mn-ea"/>
-                        <a:cs typeface="Times New Roman"/>
-                      </a:endParaRPr>
-                    </a:p>
-                  </a:txBody>
-                  <a:tcPr marL="68580" marR="68580" marT="76200" marB="76200"/>
-                </a:tc>
-                <a:tc>
-                  <a:txBody>
-                    <a:bodyPr/>
-                    <a:p>
-                      <a:pPr marL="0" algn="ctr" defTabSz="1218987">
-                        <a:spcAft>
-                          <a:spcPts val="0"/>
-                        </a:spcAft>
-                        <a:defRPr/>
-                      </a:pPr>
-                      <a:r>
-                        <a:rPr lang="en-US" sz="2000">
-                          <a:solidFill>
-                            <a:schemeClr val="dk1"/>
-                          </a:solidFill>
-                          <a:latin typeface="Times New Roman"/>
-                          <a:ea typeface="+mn-ea"/>
-                          <a:cs typeface="Times New Roman"/>
-                        </a:rPr>
-                        <a:t> </a:t>
-                      </a:r>
-                      <a:endParaRPr/>
-                    </a:p>
-                    <a:p>
-                      <a:pPr marL="0" algn="ctr" defTabSz="1218987">
-                        <a:spcAft>
-                          <a:spcPts val="0"/>
-                        </a:spcAft>
-                        <a:defRPr/>
-                      </a:pPr>
-                      <a:r>
-                        <a:rPr lang="en-US" sz="2000">
-                          <a:solidFill>
-                            <a:schemeClr val="dk1"/>
-                          </a:solidFill>
-                          <a:latin typeface="Times New Roman"/>
-                          <a:ea typeface="+mn-ea"/>
-                          <a:cs typeface="Times New Roman"/>
-                        </a:rPr>
-                        <a:t>1.4</a:t>
-                      </a:r>
-                      <a:endParaRPr/>
-                    </a:p>
-                  </a:txBody>
-                  <a:tcPr marL="68580" marR="68580" marT="76200" marB="76200"/>
-                </a:tc>
-                <a:tc>
-                  <a:txBody>
-                    <a:bodyPr/>
-                    <a:p>
-                      <a:pPr marL="0" algn="ctr" defTabSz="1218987">
-                        <a:spcAft>
-                          <a:spcPts val="0"/>
-                        </a:spcAft>
-                        <a:defRPr/>
-                      </a:pPr>
-                      <a:r>
-                        <a:rPr lang="en-US" sz="2000">
-                          <a:solidFill>
-                            <a:schemeClr val="dk1"/>
-                          </a:solidFill>
-                          <a:latin typeface="Times New Roman"/>
-                          <a:ea typeface="+mn-ea"/>
-                          <a:cs typeface="Times New Roman"/>
-                        </a:rPr>
-                        <a:t> </a:t>
-                      </a:r>
-                      <a:endParaRPr/>
-                    </a:p>
-                    <a:p>
-                      <a:pPr marL="0" algn="ctr" defTabSz="1218987">
-                        <a:spcAft>
-                          <a:spcPts val="0"/>
-                        </a:spcAft>
-                        <a:defRPr/>
-                      </a:pPr>
-                      <a:r>
-                        <a:rPr lang="en-US" sz="2000">
-                          <a:solidFill>
-                            <a:schemeClr val="dk1"/>
-                          </a:solidFill>
-                          <a:latin typeface="Times New Roman"/>
-                          <a:ea typeface="+mn-ea"/>
-                          <a:cs typeface="Times New Roman"/>
-                        </a:rPr>
-                        <a:t>February 2002</a:t>
-                      </a:r>
-                      <a:endParaRPr/>
-                    </a:p>
-                  </a:txBody>
-                  <a:tcPr marL="68580" marR="68580" marT="76200" marB="76200"/>
-                </a:tc>
-              </a:tr>
-              <a:tr h="1053222">
-                <a:tc>
-                  <a:txBody>
-                    <a:bodyPr/>
-                    <a:p>
-                      <a:pPr marL="0" algn="l" defTabSz="1218987">
-                        <a:spcAft>
-                          <a:spcPts val="0"/>
-                        </a:spcAft>
-                        <a:defRPr/>
-                      </a:pPr>
-                      <a:r>
-                        <a:rPr lang="en-US" sz="2000" b="1">
-                          <a:solidFill>
-                            <a:schemeClr val="dk1"/>
-                          </a:solidFill>
-                          <a:latin typeface="Times New Roman"/>
-                          <a:ea typeface="+mn-ea"/>
-                          <a:cs typeface="Times New Roman"/>
-                        </a:rPr>
-                        <a:t>J2SE 5.0</a:t>
-                      </a:r>
-                      <a:endParaRPr/>
-                    </a:p>
-                  </a:txBody>
-                  <a:tcPr marL="68580" marR="68580" marT="76200" marB="76200"/>
-                </a:tc>
-                <a:tc>
-                  <a:txBody>
-                    <a:bodyPr/>
-                    <a:p>
-                      <a:pPr marL="0" algn="ctr" defTabSz="1218987">
-                        <a:spcAft>
-                          <a:spcPts val="0"/>
-                        </a:spcAft>
-                        <a:defRPr/>
-                      </a:pPr>
-                      <a:r>
-                        <a:rPr lang="en-US" sz="2000" b="0">
-                          <a:solidFill>
-                            <a:schemeClr val="dk1"/>
-                          </a:solidFill>
-                          <a:latin typeface="Times New Roman"/>
-                          <a:ea typeface="+mn-ea"/>
-                          <a:cs typeface="Times New Roman"/>
-                        </a:rPr>
-                        <a:t> 1.5</a:t>
-                      </a:r>
-                      <a:endParaRPr/>
-                    </a:p>
-                  </a:txBody>
-                  <a:tcPr marL="68580" marR="68580" marT="76200" marB="76200"/>
-                </a:tc>
-                <a:tc>
-                  <a:txBody>
-                    <a:bodyPr/>
-                    <a:p>
-                      <a:pPr marL="0" algn="ctr" defTabSz="1218987">
-                        <a:spcAft>
-                          <a:spcPts val="0"/>
-                        </a:spcAft>
-                        <a:defRPr/>
-                      </a:pPr>
-                      <a:r>
-                        <a:rPr lang="en-US" sz="2000" b="0">
-                          <a:solidFill>
-                            <a:schemeClr val="dk1"/>
-                          </a:solidFill>
-                          <a:latin typeface="Times New Roman"/>
-                          <a:ea typeface="+mn-ea"/>
-                          <a:cs typeface="Times New Roman"/>
-                        </a:rPr>
-                        <a:t> September 2004</a:t>
-                      </a:r>
-                      <a:endParaRPr/>
-                    </a:p>
-                  </a:txBody>
-                  <a:tcPr marL="68580" marR="68580" marT="76200" marB="76200"/>
-                </a:tc>
-              </a:tr>
-            </a:tbl>
-          </a:graphicData>
-        </a:graphic>
-      </p:graphicFrame>
+        </p:nvSpPr>
+        <p:spPr bwMode="auto">
+          <a:xfrm flipH="0" flipV="0">
+            <a:off x="118622" y="1321836"/>
+            <a:ext cx="11940807" cy="3749400"/>
+          </a:xfrm>
+          <a:prstGeom prst="rect">
+            <a:avLst/>
+          </a:prstGeom>
+          <a:noFill/>
+        </p:spPr>
+        <p:txBody>
+          <a:bodyPr vertOverflow="overflow" horzOverflow="overflow" vert="horz" wrap="square" lIns="91440" tIns="45720" rIns="91440" bIns="45720" numCol="1" spcCol="0" rtlCol="0" fromWordArt="0" anchor="t" anchorCtr="0" forceAA="0" upright="0" compatLnSpc="0">
+            <a:spAutoFit/>
+          </a:bodyPr>
+          <a:p>
+            <a:pPr>
+              <a:defRPr/>
+            </a:pPr>
+            <a:r>
+              <a:rPr lang="en-US" sz="2400" b="0" i="0" u="none" strike="noStrike" cap="none" spc="0">
+                <a:solidFill>
+                  <a:schemeClr val="tx1"/>
+                </a:solidFill>
+                <a:latin typeface="Constantia"/>
+                <a:ea typeface="Liberation Sans"/>
+                <a:cs typeface="Constantia"/>
+              </a:rPr>
+              <a:t>Java is a high-level programming language that was first released in </a:t>
+            </a:r>
+            <a:r>
+              <a:rPr lang="en-US" sz="2400" b="1" i="0" u="none" strike="noStrike" cap="none" spc="0">
+                <a:solidFill>
+                  <a:srgbClr val="C00000"/>
+                </a:solidFill>
+                <a:latin typeface="Constantia"/>
+                <a:ea typeface="Liberation Sans"/>
+                <a:cs typeface="Constantia"/>
+              </a:rPr>
+              <a:t>1995 by Sun Microsystems</a:t>
+            </a:r>
+            <a:r>
+              <a:rPr lang="en-US" sz="2400" b="0" i="0" u="none" strike="noStrike" cap="none" spc="0">
+                <a:solidFill>
+                  <a:schemeClr val="tx1"/>
+                </a:solidFill>
+                <a:latin typeface="Constantia"/>
+                <a:ea typeface="Liberation Sans"/>
+                <a:cs typeface="Constantia"/>
+              </a:rPr>
+              <a:t>, which was later </a:t>
+            </a:r>
+            <a:r>
+              <a:rPr lang="en-US" sz="2400" b="1" i="0" u="none" strike="noStrike" cap="none" spc="0">
+                <a:solidFill>
+                  <a:srgbClr val="C00000"/>
+                </a:solidFill>
+                <a:latin typeface="Constantia"/>
+                <a:ea typeface="Liberation Sans"/>
+                <a:cs typeface="Constantia"/>
+              </a:rPr>
+              <a:t>acquired by Oracle Corporation</a:t>
+            </a:r>
+            <a:r>
+              <a:rPr lang="en-US" sz="2400" b="0" i="0" u="none" strike="noStrike" cap="none" spc="0">
+                <a:solidFill>
+                  <a:schemeClr val="tx1"/>
+                </a:solidFill>
+                <a:latin typeface="Constantia"/>
+                <a:ea typeface="Liberation Sans"/>
+                <a:cs typeface="Constantia"/>
+              </a:rPr>
+              <a:t>. </a:t>
+            </a:r>
+            <a:r>
+              <a:rPr lang="en-US" sz="2400" b="1" i="0" u="none" strike="noStrike" cap="none" spc="0">
+                <a:solidFill>
+                  <a:schemeClr val="accent6">
+                    <a:lumMod val="75000"/>
+                  </a:schemeClr>
+                </a:solidFill>
+                <a:latin typeface="Constantia"/>
+                <a:ea typeface="Liberation Sans"/>
+                <a:cs typeface="Constantia"/>
+              </a:rPr>
+              <a:t>James Gosling, Mike Sheridan, and Patrick Naughton are credited with creating Java while working at Sun Microsystems.</a:t>
+            </a:r>
+            <a:endParaRPr lang="en-US" sz="2400" b="1" i="0" u="none" strike="noStrike" cap="none" spc="0">
+              <a:solidFill>
+                <a:schemeClr val="accent6">
+                  <a:lumMod val="75000"/>
+                </a:schemeClr>
+              </a:solidFill>
+              <a:latin typeface="Constantia"/>
+              <a:cs typeface="Constantia"/>
+            </a:endParaRPr>
+          </a:p>
+          <a:p>
+            <a:pPr>
+              <a:defRPr/>
+            </a:pPr>
+            <a:endParaRPr lang="en-US" sz="2400" b="1" i="0" u="none" strike="noStrike" cap="none" spc="0">
+              <a:solidFill>
+                <a:schemeClr val="accent6">
+                  <a:lumMod val="75000"/>
+                </a:schemeClr>
+              </a:solidFill>
+              <a:latin typeface="Constantia"/>
+              <a:cs typeface="Constantia"/>
+            </a:endParaRPr>
+          </a:p>
+          <a:p>
+            <a:pPr>
+              <a:defRPr/>
+            </a:pPr>
+            <a:r>
+              <a:rPr lang="en-US" sz="2400" b="0" i="0" u="none" strike="noStrike" cap="none" spc="0">
+                <a:solidFill>
+                  <a:schemeClr val="tx1"/>
+                </a:solidFill>
+                <a:latin typeface="Constantia"/>
+                <a:ea typeface="Liberation Sans"/>
+                <a:cs typeface="Constantia"/>
+              </a:rPr>
+              <a:t>The idea behind Java was to create a programming language that would be portable across different computer platforms, meaning that a Java program written on one computer could run on another without any modifications. This was made possible by the use of the Java Virtual Machine (JVM), which allows Java code to be executed on any platform that has a JVM installed.</a:t>
+            </a:r>
+            <a:endParaRPr/>
+          </a:p>
+        </p:txBody>
+      </p:sp>
+      <p:sp>
+        <p:nvSpPr>
+          <p:cNvPr id="1301130640" name=""/>
+          <p:cNvSpPr txBox="1"/>
+          <p:nvPr/>
+        </p:nvSpPr>
+        <p:spPr bwMode="auto">
+          <a:xfrm flipH="0" flipV="0">
+            <a:off x="1634846" y="5287346"/>
+            <a:ext cx="7686596" cy="640440"/>
+          </a:xfrm>
+          <a:prstGeom prst="rect">
+            <a:avLst/>
+          </a:prstGeom>
+          <a:noFill/>
+        </p:spPr>
+        <p:txBody>
+          <a:bodyPr vertOverflow="overflow" horzOverflow="overflow" vert="horz" wrap="square" lIns="91440" tIns="45720" rIns="91440" bIns="45720" numCol="1" spcCol="0" rtlCol="0" fromWordArt="0" anchor="t" anchorCtr="0" forceAA="0" upright="0" compatLnSpc="0">
+            <a:spAutoFit/>
+          </a:bodyPr>
+          <a:p>
+            <a:pPr algn="ctr">
+              <a:defRPr/>
+            </a:pPr>
+            <a:r>
+              <a:rPr sz="3600" b="1" u="sng">
+                <a:solidFill>
+                  <a:schemeClr val="accent6">
+                    <a:lumMod val="75000"/>
+                  </a:schemeClr>
+                </a:solidFill>
+                <a:hlinkClick r:id="rId2" tooltip="/home/anirudha/ProgrammingLanguages/Java/Java_Programming/PDF_Note/History of Java and JAVA SE Versions.pdf"/>
+              </a:rPr>
+              <a:t>History of Java</a:t>
+            </a:r>
+            <a:endParaRPr sz="3600" b="1">
+              <a:solidFill>
+                <a:schemeClr val="accent6">
+                  <a:lumMod val="75000"/>
+                </a:schemeClr>
+              </a:solidFill>
+            </a:endParaRPr>
+          </a:p>
+        </p:txBody>
+      </p:sp>
     </p:spTree>
   </p:cSld>
   <p:clrMapOvr>
@@ -16208,21 +15557,21 @@
       </p:grpSpPr>
       <p:sp>
         <p:nvSpPr>
-          <p:cNvPr id="4" name="Rectangle 3"/>
+          <p:cNvPr id="115082828" name="Rectangle 3"/>
           <p:cNvSpPr/>
           <p:nvPr/>
         </p:nvSpPr>
         <p:spPr bwMode="auto">
           <a:xfrm>
-            <a:off x="0" y="8709"/>
-            <a:ext cx="9385775" cy="849462"/>
+            <a:off x="0" y="8708"/>
+            <a:ext cx="9385774" cy="849461"/>
           </a:xfrm>
           <a:prstGeom prst="rect">
             <a:avLst/>
           </a:prstGeom>
         </p:spPr>
         <p:txBody>
-          <a:bodyPr vert="horz" lIns="121898" tIns="60949" rIns="121898" bIns="60949" rtlCol="0" anchor="b">
+          <a:bodyPr vert="horz" lIns="121897" tIns="60948" rIns="121897" bIns="60948" rtlCol="0" anchor="b">
             <a:noAutofit/>
           </a:bodyPr>
           <a:lstStyle/>
@@ -16246,9 +15595,9 @@
                 <a:solidFill>
                   <a:schemeClr val="dk1"/>
                 </a:solidFill>
-                <a:latin typeface="+mn-lt"/>
-                <a:ea typeface="+mn-ea"/>
-                <a:cs typeface="+mn-cs"/>
+                <a:latin typeface="Constantia"/>
+                <a:ea typeface="Arial"/>
+                <a:cs typeface="Arial"/>
               </a:rPr>
               <a:t>History of Java &amp; Versions</a:t>
             </a:r>
@@ -16256,1029 +15605,135 @@
           </a:p>
         </p:txBody>
       </p:sp>
-      <p:graphicFrame>
-        <p:nvGraphicFramePr>
-          <p:cNvPr id="10" name="Table 3"/>
-          <p:cNvGraphicFramePr>
-            <a:graphicFrameLocks xmlns:a="http://schemas.openxmlformats.org/drawingml/2006/main"/>
-          </p:cNvGraphicFramePr>
+      <p:sp>
+        <p:nvSpPr>
+          <p:cNvPr id="2008155008" name=""/>
+          <p:cNvSpPr txBox="1"/>
           <p:nvPr/>
-        </p:nvGraphicFramePr>
-        <p:xfrm>
-          <a:off x="455612" y="728999"/>
-          <a:ext cx="11277600" cy="6129001"/>
-        </p:xfrm>
-        <a:graphic>
-          <a:graphicData uri="http://schemas.openxmlformats.org/drawingml/2006/table">
-            <a:tbl>
-              <a:tblPr firstRow="1" firstCol="0" lastRow="0" lastCol="0" bandRow="1" bandCol="0">
-                <a:tableStyleId>{5C22544A-7EE6-4342-B048-85BDC9FD1C3A}</a:tableStyleId>
-              </a:tblPr>
-              <a:tblGrid>
-                <a:gridCol w="3759200"/>
-                <a:gridCol w="3759200"/>
-                <a:gridCol w="3759200"/>
-              </a:tblGrid>
-              <a:tr h="337801">
-                <a:tc>
-                  <a:txBody>
-                    <a:bodyPr/>
-                    <a:p>
-                      <a:pPr algn="ctr">
-                        <a:spcAft>
-                          <a:spcPts val="0"/>
-                        </a:spcAft>
-                        <a:defRPr/>
-                      </a:pPr>
-                      <a:r>
-                        <a:rPr lang="en-US" sz="2000" b="1">
-                          <a:solidFill>
-                            <a:srgbClr val="FFFFFF"/>
-                          </a:solidFill>
-                          <a:latin typeface="Times New Roman"/>
-                          <a:cs typeface="Times New Roman"/>
-                        </a:rPr>
-                        <a:t>Java SE Version </a:t>
-                      </a:r>
-                      <a:endParaRPr lang="en-US" sz="2000">
-                        <a:latin typeface="Times New Roman"/>
-                        <a:cs typeface="Times New Roman"/>
-                      </a:endParaRPr>
-                    </a:p>
-                  </a:txBody>
-                  <a:tcPr marL="11637" marR="11637" marT="12930" marB="12930"/>
-                </a:tc>
-                <a:tc>
-                  <a:txBody>
-                    <a:bodyPr/>
-                    <a:p>
-                      <a:pPr algn="ctr">
-                        <a:spcAft>
-                          <a:spcPts val="0"/>
-                        </a:spcAft>
-                        <a:defRPr/>
-                      </a:pPr>
-                      <a:r>
-                        <a:rPr lang="en-US" sz="2000">
-                          <a:latin typeface="Times New Roman"/>
-                          <a:cs typeface="Times New Roman"/>
-                        </a:rPr>
-                        <a:t> </a:t>
-                      </a:r>
-                      <a:r>
-                        <a:rPr lang="en-US" sz="2000" b="1">
-                          <a:solidFill>
-                            <a:srgbClr val="FFFFFF"/>
-                          </a:solidFill>
-                          <a:latin typeface="Times New Roman"/>
-                          <a:cs typeface="Times New Roman"/>
-                        </a:rPr>
-                        <a:t>Version Number</a:t>
-                      </a:r>
-                      <a:endParaRPr lang="en-US" sz="2000">
-                        <a:latin typeface="Times New Roman"/>
-                        <a:cs typeface="Times New Roman"/>
-                      </a:endParaRPr>
-                    </a:p>
-                  </a:txBody>
-                  <a:tcPr marL="11637" marR="11637" marT="12930" marB="12930"/>
-                </a:tc>
-                <a:tc>
-                  <a:txBody>
-                    <a:bodyPr/>
-                    <a:p>
-                      <a:pPr algn="ctr">
-                        <a:spcAft>
-                          <a:spcPts val="0"/>
-                        </a:spcAft>
-                        <a:defRPr/>
-                      </a:pPr>
-                      <a:r>
-                        <a:rPr lang="en-US" sz="2000">
-                          <a:latin typeface="Times New Roman"/>
-                          <a:cs typeface="Times New Roman"/>
-                        </a:rPr>
-                        <a:t> </a:t>
-                      </a:r>
-                      <a:r>
-                        <a:rPr lang="en-US" sz="2000" b="1">
-                          <a:solidFill>
-                            <a:srgbClr val="FFFFFF"/>
-                          </a:solidFill>
-                          <a:latin typeface="Times New Roman"/>
-                          <a:cs typeface="Times New Roman"/>
-                        </a:rPr>
-                        <a:t>Release Date</a:t>
-                      </a:r>
-                      <a:endParaRPr lang="en-US" sz="2000">
-                        <a:latin typeface="Times New Roman"/>
-                        <a:cs typeface="Times New Roman"/>
-                      </a:endParaRPr>
-                    </a:p>
-                  </a:txBody>
-                  <a:tcPr marL="11637" marR="11637" marT="12930" marB="12930"/>
-                </a:tc>
-              </a:tr>
-              <a:tr h="337304">
-                <a:tc>
-                  <a:txBody>
-                    <a:bodyPr/>
-                    <a:p>
-                      <a:pPr marL="0" algn="l" defTabSz="1218987">
-                        <a:spcAft>
-                          <a:spcPts val="0"/>
-                        </a:spcAft>
-                        <a:defRPr/>
-                      </a:pPr>
-                      <a:r>
-                        <a:rPr lang="en-US" sz="2000" b="1">
-                          <a:solidFill>
-                            <a:schemeClr val="dk1"/>
-                          </a:solidFill>
-                          <a:latin typeface="Times New Roman"/>
-                          <a:ea typeface="+mn-ea"/>
-                          <a:cs typeface="Times New Roman"/>
-                        </a:rPr>
-                        <a:t>Java SE 6</a:t>
-                      </a:r>
-                      <a:endParaRPr/>
-                    </a:p>
-                  </a:txBody>
-                  <a:tcPr marL="68580" marR="68580" marT="76200" marB="76200"/>
-                </a:tc>
-                <a:tc>
-                  <a:txBody>
-                    <a:bodyPr/>
-                    <a:p>
-                      <a:pPr marL="0" algn="ctr" defTabSz="1218987">
-                        <a:spcAft>
-                          <a:spcPts val="0"/>
-                        </a:spcAft>
-                        <a:defRPr/>
-                      </a:pPr>
-                      <a:endParaRPr lang="en-US" sz="2000" b="1">
-                        <a:solidFill>
-                          <a:schemeClr val="dk1"/>
-                        </a:solidFill>
-                        <a:latin typeface="Times New Roman"/>
-                        <a:ea typeface="+mn-ea"/>
-                        <a:cs typeface="Times New Roman"/>
-                      </a:endParaRPr>
-                    </a:p>
-                    <a:p>
-                      <a:pPr marL="0" algn="ctr" defTabSz="1218987">
-                        <a:spcAft>
-                          <a:spcPts val="0"/>
-                        </a:spcAft>
-                        <a:defRPr/>
-                      </a:pPr>
-                      <a:r>
-                        <a:rPr lang="en-US" sz="2000" b="1">
-                          <a:solidFill>
-                            <a:schemeClr val="dk1"/>
-                          </a:solidFill>
-                          <a:latin typeface="Times New Roman"/>
-                          <a:ea typeface="+mn-ea"/>
-                          <a:cs typeface="Times New Roman"/>
-                        </a:rPr>
-                        <a:t>1.6</a:t>
-                      </a:r>
-                      <a:endParaRPr/>
-                    </a:p>
-                  </a:txBody>
-                  <a:tcPr marL="68580" marR="68580" marT="76200" marB="76200"/>
-                </a:tc>
-                <a:tc>
-                  <a:txBody>
-                    <a:bodyPr/>
-                    <a:p>
-                      <a:pPr marL="0" algn="ctr" defTabSz="1218987">
-                        <a:spcAft>
-                          <a:spcPts val="0"/>
-                        </a:spcAft>
-                        <a:defRPr/>
-                      </a:pPr>
-                      <a:r>
-                        <a:rPr lang="en-US" sz="2000" b="1">
-                          <a:solidFill>
-                            <a:schemeClr val="dk1"/>
-                          </a:solidFill>
-                          <a:latin typeface="Times New Roman"/>
-                          <a:ea typeface="+mn-ea"/>
-                          <a:cs typeface="Times New Roman"/>
-                        </a:rPr>
-                        <a:t> </a:t>
-                      </a:r>
-                      <a:endParaRPr/>
-                    </a:p>
-                    <a:p>
-                      <a:pPr marL="0" algn="ctr" defTabSz="1218987">
-                        <a:spcAft>
-                          <a:spcPts val="0"/>
-                        </a:spcAft>
-                        <a:defRPr/>
-                      </a:pPr>
-                      <a:r>
-                        <a:rPr lang="en-US" sz="2000" b="1">
-                          <a:solidFill>
-                            <a:schemeClr val="dk1"/>
-                          </a:solidFill>
-                          <a:latin typeface="Times New Roman"/>
-                          <a:ea typeface="+mn-ea"/>
-                          <a:cs typeface="Times New Roman"/>
-                        </a:rPr>
-                        <a:t>December 2006</a:t>
-                      </a:r>
-                      <a:endParaRPr/>
-                    </a:p>
-                  </a:txBody>
-                  <a:tcPr marL="68580" marR="68580" marT="76200" marB="76200"/>
-                </a:tc>
-              </a:tr>
-              <a:tr h="722005">
-                <a:tc>
-                  <a:txBody>
-                    <a:bodyPr/>
-                    <a:p>
-                      <a:pPr marL="0" algn="l" defTabSz="1218987">
-                        <a:spcAft>
-                          <a:spcPts val="0"/>
-                        </a:spcAft>
-                        <a:defRPr/>
-                      </a:pPr>
-                      <a:r>
-                        <a:rPr lang="en-US" sz="2000" b="1">
-                          <a:solidFill>
-                            <a:schemeClr val="dk1"/>
-                          </a:solidFill>
-                          <a:latin typeface="Times New Roman"/>
-                          <a:ea typeface="+mn-ea"/>
-                          <a:cs typeface="Times New Roman"/>
-                        </a:rPr>
-                        <a:t> </a:t>
-                      </a:r>
-                      <a:endParaRPr/>
-                    </a:p>
-                    <a:p>
-                      <a:pPr marL="0" algn="l" defTabSz="1218987">
-                        <a:spcAft>
-                          <a:spcPts val="0"/>
-                        </a:spcAft>
-                        <a:defRPr/>
-                      </a:pPr>
-                      <a:r>
-                        <a:rPr lang="en-US" sz="2000" b="1">
-                          <a:solidFill>
-                            <a:schemeClr val="dk1"/>
-                          </a:solidFill>
-                          <a:latin typeface="Times New Roman"/>
-                          <a:ea typeface="+mn-ea"/>
-                          <a:cs typeface="Times New Roman"/>
-                        </a:rPr>
-                        <a:t>Java SE 7</a:t>
-                      </a:r>
-                      <a:endParaRPr/>
-                    </a:p>
-                  </a:txBody>
-                  <a:tcPr marL="68580" marR="68580" marT="76200" marB="76200"/>
-                </a:tc>
-                <a:tc>
-                  <a:txBody>
-                    <a:bodyPr/>
-                    <a:p>
-                      <a:pPr marL="0" algn="ctr" defTabSz="1218987">
-                        <a:spcAft>
-                          <a:spcPts val="0"/>
-                        </a:spcAft>
-                        <a:defRPr/>
-                      </a:pPr>
-                      <a:r>
-                        <a:rPr lang="en-US" sz="2000" b="1">
-                          <a:solidFill>
-                            <a:schemeClr val="dk1"/>
-                          </a:solidFill>
-                          <a:latin typeface="Times New Roman"/>
-                          <a:ea typeface="+mn-ea"/>
-                          <a:cs typeface="Times New Roman"/>
-                        </a:rPr>
-                        <a:t> </a:t>
-                      </a:r>
-                      <a:endParaRPr/>
-                    </a:p>
-                    <a:p>
-                      <a:pPr marL="0" algn="ctr" defTabSz="1218987">
-                        <a:spcAft>
-                          <a:spcPts val="0"/>
-                        </a:spcAft>
-                        <a:defRPr/>
-                      </a:pPr>
-                      <a:r>
-                        <a:rPr lang="en-US" sz="2000" b="1">
-                          <a:solidFill>
-                            <a:schemeClr val="dk1"/>
-                          </a:solidFill>
-                          <a:latin typeface="Times New Roman"/>
-                          <a:ea typeface="+mn-ea"/>
-                          <a:cs typeface="Times New Roman"/>
-                        </a:rPr>
-                        <a:t>1.7</a:t>
-                      </a:r>
-                      <a:endParaRPr/>
-                    </a:p>
-                  </a:txBody>
-                  <a:tcPr marL="68580" marR="68580" marT="76200" marB="76200"/>
-                </a:tc>
-                <a:tc>
-                  <a:txBody>
-                    <a:bodyPr/>
-                    <a:p>
-                      <a:pPr marL="0" algn="ctr" defTabSz="1218987">
-                        <a:spcAft>
-                          <a:spcPts val="0"/>
-                        </a:spcAft>
-                        <a:defRPr/>
-                      </a:pPr>
-                      <a:r>
-                        <a:rPr lang="en-US" sz="2000" b="1">
-                          <a:solidFill>
-                            <a:schemeClr val="dk1"/>
-                          </a:solidFill>
-                          <a:latin typeface="Times New Roman"/>
-                          <a:ea typeface="+mn-ea"/>
-                          <a:cs typeface="Times New Roman"/>
-                        </a:rPr>
-                        <a:t> </a:t>
-                      </a:r>
-                      <a:endParaRPr/>
-                    </a:p>
-                    <a:p>
-                      <a:pPr marL="0" algn="ctr" defTabSz="1218987">
-                        <a:spcAft>
-                          <a:spcPts val="0"/>
-                        </a:spcAft>
-                        <a:defRPr/>
-                      </a:pPr>
-                      <a:r>
-                        <a:rPr lang="en-US" sz="2000" b="1">
-                          <a:solidFill>
-                            <a:schemeClr val="dk1"/>
-                          </a:solidFill>
-                          <a:latin typeface="Times New Roman"/>
-                          <a:ea typeface="+mn-ea"/>
-                          <a:cs typeface="Times New Roman"/>
-                        </a:rPr>
-                        <a:t>July 2011</a:t>
-                      </a:r>
-                      <a:endParaRPr/>
-                    </a:p>
-                  </a:txBody>
-                  <a:tcPr marL="68580" marR="68580" marT="76200" marB="76200"/>
-                </a:tc>
-              </a:tr>
-              <a:tr h="722005">
-                <a:tc>
-                  <a:txBody>
-                    <a:bodyPr/>
-                    <a:p>
-                      <a:pPr marL="0" algn="l" defTabSz="1218987">
-                        <a:spcAft>
-                          <a:spcPts val="0"/>
-                        </a:spcAft>
-                        <a:defRPr/>
-                      </a:pPr>
-                      <a:r>
-                        <a:rPr lang="en-US" sz="2000" b="1">
-                          <a:solidFill>
-                            <a:schemeClr val="dk1"/>
-                          </a:solidFill>
-                          <a:latin typeface="Times New Roman"/>
-                          <a:ea typeface="+mn-ea"/>
-                          <a:cs typeface="Times New Roman"/>
-                        </a:rPr>
-                        <a:t> </a:t>
-                      </a:r>
-                      <a:endParaRPr/>
-                    </a:p>
-                    <a:p>
-                      <a:pPr marL="0" algn="l" defTabSz="1218987">
-                        <a:spcAft>
-                          <a:spcPts val="0"/>
-                        </a:spcAft>
-                        <a:defRPr/>
-                      </a:pPr>
-                      <a:r>
-                        <a:rPr lang="en-US" sz="2000" b="1">
-                          <a:solidFill>
-                            <a:schemeClr val="dk1"/>
-                          </a:solidFill>
-                          <a:latin typeface="Times New Roman"/>
-                          <a:ea typeface="+mn-ea"/>
-                          <a:cs typeface="Times New Roman"/>
-                        </a:rPr>
-                        <a:t>Java SE 8</a:t>
-                      </a:r>
-                      <a:endParaRPr/>
-                    </a:p>
-                    <a:p>
-                      <a:pPr marL="0" algn="l" defTabSz="1218987">
-                        <a:spcAft>
-                          <a:spcPts val="0"/>
-                        </a:spcAft>
-                        <a:defRPr/>
-                      </a:pPr>
-                      <a:r>
-                        <a:rPr lang="en-US" sz="2000" b="1">
-                          <a:solidFill>
-                            <a:schemeClr val="dk1"/>
-                          </a:solidFill>
-                          <a:latin typeface="Times New Roman"/>
-                          <a:ea typeface="+mn-ea"/>
-                          <a:cs typeface="Times New Roman"/>
-                        </a:rPr>
-                        <a:t> </a:t>
-                      </a:r>
-                      <a:endParaRPr/>
-                    </a:p>
-                  </a:txBody>
-                  <a:tcPr marL="68580" marR="68580" marT="76200" marB="76200"/>
-                </a:tc>
-                <a:tc>
-                  <a:txBody>
-                    <a:bodyPr/>
-                    <a:p>
-                      <a:pPr marL="0" algn="ctr" defTabSz="1218987">
-                        <a:spcAft>
-                          <a:spcPts val="0"/>
-                        </a:spcAft>
-                        <a:defRPr/>
-                      </a:pPr>
-                      <a:r>
-                        <a:rPr lang="en-US" sz="2000" b="1">
-                          <a:solidFill>
-                            <a:schemeClr val="dk1"/>
-                          </a:solidFill>
-                          <a:latin typeface="Times New Roman"/>
-                          <a:ea typeface="+mn-ea"/>
-                          <a:cs typeface="Times New Roman"/>
-                        </a:rPr>
-                        <a:t> </a:t>
-                      </a:r>
-                      <a:endParaRPr/>
-                    </a:p>
-                    <a:p>
-                      <a:pPr marL="0" algn="ctr" defTabSz="1218987">
-                        <a:spcAft>
-                          <a:spcPts val="0"/>
-                        </a:spcAft>
-                        <a:defRPr/>
-                      </a:pPr>
-                      <a:r>
-                        <a:rPr lang="en-US" sz="2000" b="1">
-                          <a:solidFill>
-                            <a:schemeClr val="dk1"/>
-                          </a:solidFill>
-                          <a:latin typeface="Times New Roman"/>
-                          <a:ea typeface="+mn-ea"/>
-                          <a:cs typeface="Times New Roman"/>
-                        </a:rPr>
-                        <a:t>1.8 </a:t>
-                      </a:r>
-                      <a:endParaRPr/>
-                    </a:p>
-                  </a:txBody>
-                  <a:tcPr marL="68580" marR="68580" marT="76200" marB="76200"/>
-                </a:tc>
-                <a:tc>
-                  <a:txBody>
-                    <a:bodyPr/>
-                    <a:p>
-                      <a:pPr marL="0" algn="ctr" defTabSz="1218987">
-                        <a:spcAft>
-                          <a:spcPts val="0"/>
-                        </a:spcAft>
-                        <a:defRPr/>
-                      </a:pPr>
-                      <a:r>
-                        <a:rPr lang="en-US" sz="2000" b="1">
-                          <a:solidFill>
-                            <a:schemeClr val="dk1"/>
-                          </a:solidFill>
-                          <a:latin typeface="Times New Roman"/>
-                          <a:ea typeface="+mn-ea"/>
-                          <a:cs typeface="Times New Roman"/>
-                        </a:rPr>
-                        <a:t> </a:t>
-                      </a:r>
-                      <a:endParaRPr/>
-                    </a:p>
-                    <a:p>
-                      <a:pPr marL="0" algn="ctr" defTabSz="1218987">
-                        <a:spcAft>
-                          <a:spcPts val="0"/>
-                        </a:spcAft>
-                        <a:defRPr/>
-                      </a:pPr>
-                      <a:r>
-                        <a:rPr lang="en-US" sz="2000" b="1">
-                          <a:solidFill>
-                            <a:schemeClr val="dk1"/>
-                          </a:solidFill>
-                          <a:latin typeface="Times New Roman"/>
-                          <a:ea typeface="+mn-ea"/>
-                          <a:cs typeface="Times New Roman"/>
-                        </a:rPr>
-                        <a:t>March 2014</a:t>
-                      </a:r>
-                      <a:endParaRPr/>
-                    </a:p>
-                  </a:txBody>
-                  <a:tcPr marL="68580" marR="68580" marT="76200" marB="76200"/>
-                </a:tc>
-              </a:tr>
-              <a:tr h="722005">
-                <a:tc>
-                  <a:txBody>
-                    <a:bodyPr/>
-                    <a:p>
-                      <a:pPr marL="0" algn="l" defTabSz="1218987">
-                        <a:spcAft>
-                          <a:spcPts val="0"/>
-                        </a:spcAft>
-                        <a:defRPr/>
-                      </a:pPr>
-                      <a:r>
-                        <a:rPr lang="en-US" sz="2000" b="1">
-                          <a:solidFill>
-                            <a:schemeClr val="dk1"/>
-                          </a:solidFill>
-                          <a:latin typeface="Times New Roman"/>
-                          <a:ea typeface="+mn-ea"/>
-                          <a:cs typeface="Times New Roman"/>
-                        </a:rPr>
-                        <a:t> </a:t>
-                      </a:r>
-                      <a:endParaRPr/>
-                    </a:p>
-                    <a:p>
-                      <a:pPr marL="0" algn="l" defTabSz="1218987">
-                        <a:spcAft>
-                          <a:spcPts val="0"/>
-                        </a:spcAft>
-                        <a:defRPr/>
-                      </a:pPr>
-                      <a:r>
-                        <a:rPr lang="en-US" sz="2000" b="1">
-                          <a:solidFill>
-                            <a:schemeClr val="dk1"/>
-                          </a:solidFill>
-                          <a:latin typeface="Times New Roman"/>
-                          <a:ea typeface="+mn-ea"/>
-                          <a:cs typeface="Times New Roman"/>
-                        </a:rPr>
-                        <a:t>Java SE 9</a:t>
-                      </a:r>
-                      <a:endParaRPr/>
-                    </a:p>
-                    <a:p>
-                      <a:pPr marL="0" algn="l" defTabSz="1218987">
-                        <a:spcAft>
-                          <a:spcPts val="0"/>
-                        </a:spcAft>
-                        <a:defRPr/>
-                      </a:pPr>
-                      <a:r>
-                        <a:rPr lang="en-US" sz="2000" b="1">
-                          <a:solidFill>
-                            <a:schemeClr val="dk1"/>
-                          </a:solidFill>
-                          <a:latin typeface="Times New Roman"/>
-                          <a:ea typeface="+mn-ea"/>
-                          <a:cs typeface="Times New Roman"/>
-                        </a:rPr>
-                        <a:t> </a:t>
-                      </a:r>
-                      <a:endParaRPr/>
-                    </a:p>
-                  </a:txBody>
-                  <a:tcPr marL="68580" marR="68580" marT="76200" marB="76200"/>
-                </a:tc>
-                <a:tc>
-                  <a:txBody>
-                    <a:bodyPr/>
-                    <a:p>
-                      <a:pPr marL="0" algn="ctr" defTabSz="1218987">
-                        <a:spcAft>
-                          <a:spcPts val="0"/>
-                        </a:spcAft>
-                        <a:defRPr/>
-                      </a:pPr>
-                      <a:r>
-                        <a:rPr lang="en-US" sz="2000" b="1">
-                          <a:solidFill>
-                            <a:schemeClr val="dk1"/>
-                          </a:solidFill>
-                          <a:latin typeface="Times New Roman"/>
-                          <a:ea typeface="+mn-ea"/>
-                          <a:cs typeface="Times New Roman"/>
-                        </a:rPr>
-                        <a:t> </a:t>
-                      </a:r>
-                      <a:endParaRPr/>
-                    </a:p>
-                    <a:p>
-                      <a:pPr marL="0" algn="ctr" defTabSz="1218987">
-                        <a:spcAft>
-                          <a:spcPts val="0"/>
-                        </a:spcAft>
-                        <a:defRPr/>
-                      </a:pPr>
-                      <a:r>
-                        <a:rPr lang="en-US" sz="2000" b="1">
-                          <a:solidFill>
-                            <a:schemeClr val="dk1"/>
-                          </a:solidFill>
-                          <a:latin typeface="Times New Roman"/>
-                          <a:ea typeface="+mn-ea"/>
-                          <a:cs typeface="Times New Roman"/>
-                        </a:rPr>
-                        <a:t>9 </a:t>
-                      </a:r>
-                      <a:endParaRPr/>
-                    </a:p>
-                  </a:txBody>
-                  <a:tcPr marL="68580" marR="68580" marT="76200" marB="76200"/>
-                </a:tc>
-                <a:tc>
-                  <a:txBody>
-                    <a:bodyPr/>
-                    <a:p>
-                      <a:pPr marL="0" algn="ctr" defTabSz="1218987">
-                        <a:spcAft>
-                          <a:spcPts val="0"/>
-                        </a:spcAft>
-                        <a:defRPr/>
-                      </a:pPr>
-                      <a:r>
-                        <a:rPr lang="en-US" sz="2000" b="1">
-                          <a:solidFill>
-                            <a:schemeClr val="dk1"/>
-                          </a:solidFill>
-                          <a:latin typeface="Times New Roman"/>
-                          <a:ea typeface="+mn-ea"/>
-                          <a:cs typeface="Times New Roman"/>
-                        </a:rPr>
-                        <a:t> </a:t>
-                      </a:r>
-                      <a:endParaRPr/>
-                    </a:p>
-                    <a:p>
-                      <a:pPr marL="0" algn="ctr" defTabSz="1218987">
-                        <a:spcAft>
-                          <a:spcPts val="0"/>
-                        </a:spcAft>
-                        <a:defRPr/>
-                      </a:pPr>
-                      <a:r>
-                        <a:rPr lang="en-US" sz="2000" b="1">
-                          <a:solidFill>
-                            <a:schemeClr val="dk1"/>
-                          </a:solidFill>
-                          <a:latin typeface="Times New Roman"/>
-                          <a:ea typeface="+mn-ea"/>
-                          <a:cs typeface="Times New Roman"/>
-                        </a:rPr>
-                        <a:t>September, 21st 2017</a:t>
-                      </a:r>
-                      <a:endParaRPr/>
-                    </a:p>
-                  </a:txBody>
-                  <a:tcPr marL="68580" marR="68580" marT="76200" marB="76200"/>
-                </a:tc>
-              </a:tr>
-              <a:tr h="696324">
-                <a:tc>
-                  <a:txBody>
-                    <a:bodyPr/>
-                    <a:p>
-                      <a:pPr marL="0" algn="l" defTabSz="1218987">
-                        <a:spcAft>
-                          <a:spcPts val="0"/>
-                        </a:spcAft>
-                        <a:defRPr/>
-                      </a:pPr>
-                      <a:r>
-                        <a:rPr lang="en-US" sz="2000" b="1">
-                          <a:solidFill>
-                            <a:schemeClr val="dk1"/>
-                          </a:solidFill>
-                          <a:latin typeface="Times New Roman"/>
-                          <a:ea typeface="+mn-ea"/>
-                          <a:cs typeface="Times New Roman"/>
-                        </a:rPr>
-                        <a:t> </a:t>
-                      </a:r>
-                      <a:endParaRPr/>
-                    </a:p>
-                    <a:p>
-                      <a:pPr marL="0" algn="l" defTabSz="1218987">
-                        <a:spcAft>
-                          <a:spcPts val="0"/>
-                        </a:spcAft>
-                        <a:defRPr/>
-                      </a:pPr>
-                      <a:r>
-                        <a:rPr lang="en-US" sz="2000" b="1">
-                          <a:solidFill>
-                            <a:schemeClr val="dk1"/>
-                          </a:solidFill>
-                          <a:latin typeface="Times New Roman"/>
-                          <a:ea typeface="+mn-ea"/>
-                          <a:cs typeface="Times New Roman"/>
-                        </a:rPr>
-                        <a:t>Java SE 10</a:t>
-                      </a:r>
-                      <a:endParaRPr/>
-                    </a:p>
-                    <a:p>
-                      <a:pPr marL="0" algn="l" defTabSz="1218987">
-                        <a:spcAft>
-                          <a:spcPts val="0"/>
-                        </a:spcAft>
-                        <a:defRPr/>
-                      </a:pPr>
-                      <a:r>
-                        <a:rPr lang="en-US" sz="2000" b="1">
-                          <a:solidFill>
-                            <a:schemeClr val="dk1"/>
-                          </a:solidFill>
-                          <a:latin typeface="Times New Roman"/>
-                          <a:ea typeface="+mn-ea"/>
-                          <a:cs typeface="Times New Roman"/>
-                        </a:rPr>
-                        <a:t> </a:t>
-                      </a:r>
-                      <a:endParaRPr/>
-                    </a:p>
-                  </a:txBody>
-                  <a:tcPr marL="68580" marR="68580" marT="76200" marB="76200"/>
-                </a:tc>
-                <a:tc>
-                  <a:txBody>
-                    <a:bodyPr/>
-                    <a:p>
-                      <a:pPr marL="0" algn="ctr" defTabSz="1218987">
-                        <a:spcAft>
-                          <a:spcPts val="0"/>
-                        </a:spcAft>
-                        <a:defRPr/>
-                      </a:pPr>
-                      <a:r>
-                        <a:rPr lang="en-US" sz="2000" b="1">
-                          <a:solidFill>
-                            <a:schemeClr val="dk1"/>
-                          </a:solidFill>
-                          <a:latin typeface="Times New Roman"/>
-                          <a:ea typeface="+mn-ea"/>
-                          <a:cs typeface="Times New Roman"/>
-                        </a:rPr>
-                        <a:t> </a:t>
-                      </a:r>
-                      <a:endParaRPr/>
-                    </a:p>
-                    <a:p>
-                      <a:pPr marL="0" algn="ctr" defTabSz="1218987">
-                        <a:spcAft>
-                          <a:spcPts val="0"/>
-                        </a:spcAft>
-                        <a:defRPr/>
-                      </a:pPr>
-                      <a:r>
-                        <a:rPr lang="en-US" sz="2000" b="1">
-                          <a:solidFill>
-                            <a:schemeClr val="dk1"/>
-                          </a:solidFill>
-                          <a:latin typeface="Times New Roman"/>
-                          <a:ea typeface="+mn-ea"/>
-                          <a:cs typeface="Times New Roman"/>
-                        </a:rPr>
-                        <a:t>10 </a:t>
-                      </a:r>
-                      <a:endParaRPr/>
-                    </a:p>
-                  </a:txBody>
-                  <a:tcPr marL="68580" marR="68580" marT="76200" marB="76200"/>
-                </a:tc>
-                <a:tc>
-                  <a:txBody>
-                    <a:bodyPr/>
-                    <a:p>
-                      <a:pPr marL="0" algn="ctr" defTabSz="1218987">
-                        <a:spcAft>
-                          <a:spcPts val="0"/>
-                        </a:spcAft>
-                        <a:defRPr/>
-                      </a:pPr>
-                      <a:r>
-                        <a:rPr lang="en-US" sz="2000" b="1">
-                          <a:solidFill>
-                            <a:schemeClr val="dk1"/>
-                          </a:solidFill>
-                          <a:latin typeface="Times New Roman"/>
-                          <a:ea typeface="+mn-ea"/>
-                          <a:cs typeface="Times New Roman"/>
-                        </a:rPr>
-                        <a:t> </a:t>
-                      </a:r>
-                      <a:endParaRPr/>
-                    </a:p>
-                    <a:p>
-                      <a:pPr marL="0" algn="ctr" defTabSz="1218987">
-                        <a:spcAft>
-                          <a:spcPts val="0"/>
-                        </a:spcAft>
-                        <a:defRPr/>
-                      </a:pPr>
-                      <a:r>
-                        <a:rPr lang="en-US" sz="2000" b="1">
-                          <a:solidFill>
-                            <a:schemeClr val="dk1"/>
-                          </a:solidFill>
-                          <a:latin typeface="Times New Roman"/>
-                          <a:ea typeface="+mn-ea"/>
-                          <a:cs typeface="Times New Roman"/>
-                        </a:rPr>
-                        <a:t>March, 20th 2018</a:t>
-                      </a:r>
-                      <a:endParaRPr/>
-                    </a:p>
-                  </a:txBody>
-                  <a:tcPr marL="68580" marR="68580" marT="76200" marB="76200"/>
-                </a:tc>
-              </a:tr>
-              <a:tr h="1053222">
-                <a:tc>
-                  <a:txBody>
-                    <a:bodyPr/>
-                    <a:p>
-                      <a:pPr marL="0" algn="l" defTabSz="1218987">
-                        <a:spcAft>
-                          <a:spcPts val="0"/>
-                        </a:spcAft>
-                        <a:defRPr/>
-                      </a:pPr>
-                      <a:r>
-                        <a:rPr lang="en-US" sz="2000" b="1">
-                          <a:solidFill>
-                            <a:schemeClr val="dk1"/>
-                          </a:solidFill>
-                          <a:latin typeface="Times New Roman"/>
-                          <a:ea typeface="+mn-ea"/>
-                          <a:cs typeface="Times New Roman"/>
-                        </a:rPr>
-                        <a:t> </a:t>
-                      </a:r>
-                      <a:endParaRPr/>
-                    </a:p>
-                    <a:p>
-                      <a:pPr marL="0" algn="l" defTabSz="1218987">
-                        <a:spcAft>
-                          <a:spcPts val="0"/>
-                        </a:spcAft>
-                        <a:defRPr/>
-                      </a:pPr>
-                      <a:r>
-                        <a:rPr lang="en-US" sz="2000" b="1">
-                          <a:solidFill>
-                            <a:schemeClr val="dk1"/>
-                          </a:solidFill>
-                          <a:latin typeface="Times New Roman"/>
-                          <a:ea typeface="+mn-ea"/>
-                          <a:cs typeface="Times New Roman"/>
-                        </a:rPr>
-                        <a:t>Java SE 11</a:t>
-                      </a:r>
-                      <a:endParaRPr/>
-                    </a:p>
-                    <a:p>
-                      <a:pPr marL="0" algn="l" defTabSz="1218987">
-                        <a:spcAft>
-                          <a:spcPts val="0"/>
-                        </a:spcAft>
-                        <a:defRPr/>
-                      </a:pPr>
-                      <a:r>
-                        <a:rPr lang="en-US" sz="2000" b="1">
-                          <a:solidFill>
-                            <a:schemeClr val="dk1"/>
-                          </a:solidFill>
-                          <a:latin typeface="Times New Roman"/>
-                          <a:ea typeface="+mn-ea"/>
-                          <a:cs typeface="Times New Roman"/>
-                        </a:rPr>
-                        <a:t> </a:t>
-                      </a:r>
-                      <a:endParaRPr/>
-                    </a:p>
-                  </a:txBody>
-                  <a:tcPr marL="68580" marR="68580" marT="76200" marB="76200"/>
-                </a:tc>
-                <a:tc>
-                  <a:txBody>
-                    <a:bodyPr/>
-                    <a:p>
-                      <a:pPr marL="0" algn="ctr" defTabSz="1218987">
-                        <a:spcAft>
-                          <a:spcPts val="0"/>
-                        </a:spcAft>
-                        <a:defRPr/>
-                      </a:pPr>
-                      <a:r>
-                        <a:rPr lang="en-US" sz="2000" b="1">
-                          <a:solidFill>
-                            <a:schemeClr val="dk1"/>
-                          </a:solidFill>
-                          <a:latin typeface="Times New Roman"/>
-                          <a:ea typeface="+mn-ea"/>
-                          <a:cs typeface="Times New Roman"/>
-                        </a:rPr>
-                        <a:t> </a:t>
-                      </a:r>
-                      <a:endParaRPr/>
-                    </a:p>
-                    <a:p>
-                      <a:pPr marL="0" algn="ctr" defTabSz="1218987">
-                        <a:spcAft>
-                          <a:spcPts val="0"/>
-                        </a:spcAft>
-                        <a:defRPr/>
-                      </a:pPr>
-                      <a:r>
-                        <a:rPr lang="en-US" sz="2000" b="1">
-                          <a:solidFill>
-                            <a:schemeClr val="dk1"/>
-                          </a:solidFill>
-                          <a:latin typeface="Times New Roman"/>
-                          <a:ea typeface="+mn-ea"/>
-                          <a:cs typeface="Times New Roman"/>
-                        </a:rPr>
-                        <a:t>11 </a:t>
-                      </a:r>
-                      <a:endParaRPr/>
-                    </a:p>
-                  </a:txBody>
-                  <a:tcPr marL="68580" marR="68580" marT="76200" marB="76200"/>
-                </a:tc>
-                <a:tc>
-                  <a:txBody>
-                    <a:bodyPr/>
-                    <a:p>
-                      <a:pPr marL="0" algn="ctr" defTabSz="1218987">
-                        <a:spcAft>
-                          <a:spcPts val="0"/>
-                        </a:spcAft>
-                        <a:defRPr/>
-                      </a:pPr>
-                      <a:r>
-                        <a:rPr lang="en-US" sz="2000" b="1">
-                          <a:solidFill>
-                            <a:schemeClr val="dk1"/>
-                          </a:solidFill>
-                          <a:latin typeface="Times New Roman"/>
-                          <a:ea typeface="+mn-ea"/>
-                          <a:cs typeface="Times New Roman"/>
-                        </a:rPr>
-                        <a:t> </a:t>
-                      </a:r>
-                      <a:endParaRPr/>
-                    </a:p>
-                    <a:p>
-                      <a:pPr marL="0" algn="ctr" defTabSz="1218987">
-                        <a:spcAft>
-                          <a:spcPts val="0"/>
-                        </a:spcAft>
-                        <a:defRPr/>
-                      </a:pPr>
-                      <a:r>
-                        <a:rPr lang="en-US" sz="2000" b="1">
-                          <a:solidFill>
-                            <a:schemeClr val="dk1"/>
-                          </a:solidFill>
-                          <a:latin typeface="Times New Roman"/>
-                          <a:ea typeface="+mn-ea"/>
-                          <a:cs typeface="Times New Roman"/>
-                        </a:rPr>
-                        <a:t>September, 25th 2018</a:t>
-                      </a:r>
-                      <a:endParaRPr/>
-                    </a:p>
-                  </a:txBody>
-                  <a:tcPr marL="68580" marR="68580" marT="76200" marB="76200"/>
-                </a:tc>
-              </a:tr>
-            </a:tbl>
-          </a:graphicData>
-        </a:graphic>
-      </p:graphicFrame>
+        </p:nvSpPr>
+        <p:spPr bwMode="auto">
+          <a:xfrm flipH="0" flipV="0">
+            <a:off x="118622" y="1321836"/>
+            <a:ext cx="11945487" cy="3383640"/>
+          </a:xfrm>
+          <a:prstGeom prst="rect">
+            <a:avLst/>
+          </a:prstGeom>
+          <a:noFill/>
+        </p:spPr>
+        <p:txBody>
+          <a:bodyPr vertOverflow="overflow" horzOverflow="overflow" vert="horz" wrap="square" lIns="91440" tIns="45720" rIns="91440" bIns="45720" numCol="1" spcCol="0" rtlCol="0" fromWordArt="0" anchor="t" anchorCtr="0" forceAA="0" upright="0" compatLnSpc="0">
+            <a:spAutoFit/>
+          </a:bodyPr>
+          <a:p>
+            <a:pPr>
+              <a:defRPr/>
+            </a:pPr>
+            <a:r>
+              <a:rPr lang="en-US" sz="2400" b="1" i="0" u="none" strike="noStrike" cap="none" spc="0">
+                <a:solidFill>
+                  <a:schemeClr val="accent6">
+                    <a:lumMod val="75000"/>
+                  </a:schemeClr>
+                </a:solidFill>
+                <a:latin typeface="Constantia"/>
+                <a:ea typeface="Liberation Sans"/>
+                <a:cs typeface="Constantia"/>
+              </a:rPr>
+              <a:t>In 2010, Oracle Corporation acquired Sun Microsystems and became the primary owner of Java</a:t>
+            </a:r>
+            <a:r>
+              <a:rPr lang="en-US" sz="2400" i="0" u="none" strike="noStrike" cap="none" spc="0">
+                <a:solidFill/>
+                <a:latin typeface="Constantia"/>
+                <a:ea typeface="Liberation Sans"/>
+                <a:cs typeface="Constantia"/>
+              </a:rPr>
+              <a:t>. Since then, Java has continued to evolve, with new versions and updates being released regularly. Java 8, released in 2014, introduced several new features, including lambda expressions and the Stream API, which made it easier to write functional-style code. </a:t>
+            </a:r>
+            <a:endParaRPr lang="en-US" sz="2400" i="0" u="none" strike="noStrike" cap="none" spc="0">
+              <a:solidFill/>
+              <a:latin typeface="Constantia"/>
+              <a:cs typeface="Constantia"/>
+            </a:endParaRPr>
+          </a:p>
+          <a:p>
+            <a:pPr>
+              <a:defRPr/>
+            </a:pPr>
+            <a:endParaRPr/>
+          </a:p>
+          <a:p>
+            <a:pPr>
+              <a:defRPr/>
+            </a:pPr>
+            <a:r>
+              <a:rPr lang="en-US" sz="2400" b="0" i="0" u="none" strike="noStrike" cap="none" spc="0">
+                <a:solidFill/>
+                <a:latin typeface="Constantia"/>
+                <a:ea typeface="Liberation Sans"/>
+                <a:cs typeface="Constantia"/>
+              </a:rPr>
+              <a:t>Today, Java remains one of the most popular programming languages in use, with a wide range of applications across various industries. It is used for developing everything from desktop and mobile applications to enterprise-level software and web-based systems.</a:t>
+            </a:r>
+            <a:endParaRPr lang="en-US" sz="2400" b="0" i="0" u="none" strike="noStrike" cap="none" spc="0">
+              <a:solidFill/>
+              <a:latin typeface="Constantia"/>
+              <a:cs typeface="Constantia"/>
+            </a:endParaRPr>
+          </a:p>
+        </p:txBody>
+      </p:sp>
+      <p:sp>
+        <p:nvSpPr>
+          <p:cNvPr id="1947108389" name=""/>
+          <p:cNvSpPr txBox="1"/>
+          <p:nvPr/>
+        </p:nvSpPr>
+        <p:spPr bwMode="auto">
+          <a:xfrm flipH="0" flipV="0">
+            <a:off x="2062499" y="4995765"/>
+            <a:ext cx="7058076" cy="640440"/>
+          </a:xfrm>
+          <a:prstGeom prst="rect">
+            <a:avLst/>
+          </a:prstGeom>
+          <a:noFill/>
+        </p:spPr>
+        <p:txBody>
+          <a:bodyPr vertOverflow="overflow" horzOverflow="overflow" vert="horz" wrap="square" lIns="91440" tIns="45720" rIns="91440" bIns="45720" numCol="1" spcCol="0" rtlCol="0" fromWordArt="0" anchor="t" anchorCtr="0" forceAA="0" upright="0" compatLnSpc="0">
+            <a:spAutoFit/>
+          </a:bodyPr>
+          <a:p>
+            <a:pPr algn="ctr">
+              <a:defRPr/>
+            </a:pPr>
+            <a:r>
+              <a:rPr sz="3600" b="1" u="sng">
+                <a:solidFill>
+                  <a:schemeClr val="accent6">
+                    <a:lumMod val="75000"/>
+                  </a:schemeClr>
+                </a:solidFill>
+                <a:hlinkClick r:id="rId2" tooltip="8-11-17 JAVA LTS"/>
+              </a:rPr>
+              <a:t>JAVA LTS-8-11-17</a:t>
+            </a:r>
+            <a:r>
+              <a:rPr sz="3600" b="1" u="sng">
+                <a:solidFill>
+                  <a:schemeClr val="accent6">
+                    <a:lumMod val="75000"/>
+                  </a:schemeClr>
+                </a:solidFill>
+                <a:hlinkClick r:id="rId2" tooltip="8-11-17 JAVA LTS"/>
+              </a:rPr>
+              <a:t> </a:t>
+            </a:r>
+            <a:endParaRPr/>
+          </a:p>
+        </p:txBody>
+      </p:sp>
     </p:spTree>
   </p:cSld>
   <p:clrMapOvr>
@@ -17316,1074 +15771,30 @@
           <a:chExt cx="0" cy="0"/>
         </a:xfrm>
       </p:grpSpPr>
-      <p:sp>
-        <p:nvSpPr>
-          <p:cNvPr id="4" name="Rectangle 3"/>
-          <p:cNvSpPr/>
-          <p:nvPr/>
-        </p:nvSpPr>
+      <p:pic>
+        <p:nvPicPr>
+          <p:cNvPr id="619448274" name=""/>
+          <p:cNvPicPr>
+            <a:picLocks noChangeAspect="1"/>
+          </p:cNvPicPr>
+          <p:nvPr>
+            <p:ph sz="half" idx="1"/>
+          </p:nvPr>
+        </p:nvPicPr>
+        <p:blipFill>
+          <a:blip r:embed="rId2"/>
+          <a:stretch/>
+        </p:blipFill>
         <p:spPr bwMode="auto">
-          <a:xfrm>
-            <a:off x="0" y="8709"/>
-            <a:ext cx="9385775" cy="849462"/>
+          <a:xfrm rot="0" flipH="0" flipV="0">
+            <a:off x="77838" y="-97193"/>
+            <a:ext cx="12033147" cy="6706377"/>
           </a:xfrm>
           <a:prstGeom prst="rect">
             <a:avLst/>
           </a:prstGeom>
         </p:spPr>
-        <p:txBody>
-          <a:bodyPr vert="horz" lIns="121898" tIns="60949" rIns="121898" bIns="60949" rtlCol="0" anchor="b">
-            <a:noAutofit/>
-          </a:bodyPr>
-          <a:lstStyle/>
-          <a:p>
-            <a:pPr marR="0" lvl="0" algn="l" defTabSz="914400">
-              <a:lnSpc>
-                <a:spcPct val="100000"/>
-              </a:lnSpc>
-              <a:spcBef>
-                <a:spcPts val="0"/>
-              </a:spcBef>
-              <a:spcAft>
-                <a:spcPts val="0"/>
-              </a:spcAft>
-              <a:buClrTx/>
-              <a:buSzTx/>
-              <a:defRPr/>
-            </a:pPr>
-            <a:r>
-              <a:rPr lang="en-US" sz="4000" b="1">
-                <a:solidFill>
-                  <a:schemeClr val="dk1"/>
-                </a:solidFill>
-                <a:latin typeface="+mn-lt"/>
-                <a:ea typeface="+mn-ea"/>
-                <a:cs typeface="+mn-cs"/>
-              </a:rPr>
-              <a:t>History of Java &amp; Versions</a:t>
-            </a:r>
-            <a:endParaRPr/>
-          </a:p>
-        </p:txBody>
-      </p:sp>
-      <p:graphicFrame>
-        <p:nvGraphicFramePr>
-          <p:cNvPr id="10" name="Table 3"/>
-          <p:cNvGraphicFramePr>
-            <a:graphicFrameLocks xmlns:a="http://schemas.openxmlformats.org/drawingml/2006/main"/>
-          </p:cNvGraphicFramePr>
-          <p:nvPr/>
-        </p:nvGraphicFramePr>
-        <p:xfrm>
-          <a:off x="455612" y="895494"/>
-          <a:ext cx="11277600" cy="5618228"/>
-        </p:xfrm>
-        <a:graphic>
-          <a:graphicData uri="http://schemas.openxmlformats.org/drawingml/2006/table">
-            <a:tbl>
-              <a:tblPr firstRow="1" firstCol="0" lastRow="0" lastCol="0" bandRow="1" bandCol="0">
-                <a:tableStyleId>{5C22544A-7EE6-4342-B048-85BDC9FD1C3A}</a:tableStyleId>
-              </a:tblPr>
-              <a:tblGrid>
-                <a:gridCol w="3759200"/>
-                <a:gridCol w="3759200"/>
-                <a:gridCol w="3759200"/>
-              </a:tblGrid>
-              <a:tr h="337801">
-                <a:tc>
-                  <a:txBody>
-                    <a:bodyPr/>
-                    <a:p>
-                      <a:pPr algn="ctr">
-                        <a:spcAft>
-                          <a:spcPts val="0"/>
-                        </a:spcAft>
-                        <a:defRPr/>
-                      </a:pPr>
-                      <a:r>
-                        <a:rPr lang="en-US" sz="2000" b="1">
-                          <a:solidFill>
-                            <a:srgbClr val="FFFFFF"/>
-                          </a:solidFill>
-                          <a:latin typeface="Times New Roman"/>
-                          <a:cs typeface="Times New Roman"/>
-                        </a:rPr>
-                        <a:t>Java SE Version </a:t>
-                      </a:r>
-                      <a:endParaRPr lang="en-US" sz="2000">
-                        <a:latin typeface="Times New Roman"/>
-                        <a:cs typeface="Times New Roman"/>
-                      </a:endParaRPr>
-                    </a:p>
-                  </a:txBody>
-                  <a:tcPr marL="11637" marR="11637" marT="12930" marB="12930"/>
-                </a:tc>
-                <a:tc>
-                  <a:txBody>
-                    <a:bodyPr/>
-                    <a:p>
-                      <a:pPr algn="ctr">
-                        <a:spcAft>
-                          <a:spcPts val="0"/>
-                        </a:spcAft>
-                        <a:defRPr/>
-                      </a:pPr>
-                      <a:r>
-                        <a:rPr lang="en-US" sz="2000">
-                          <a:latin typeface="Times New Roman"/>
-                          <a:cs typeface="Times New Roman"/>
-                        </a:rPr>
-                        <a:t> </a:t>
-                      </a:r>
-                      <a:r>
-                        <a:rPr lang="en-US" sz="2000" b="1">
-                          <a:solidFill>
-                            <a:srgbClr val="FFFFFF"/>
-                          </a:solidFill>
-                          <a:latin typeface="Times New Roman"/>
-                          <a:cs typeface="Times New Roman"/>
-                        </a:rPr>
-                        <a:t>Version Number</a:t>
-                      </a:r>
-                      <a:endParaRPr lang="en-US" sz="2000">
-                        <a:latin typeface="Times New Roman"/>
-                        <a:cs typeface="Times New Roman"/>
-                      </a:endParaRPr>
-                    </a:p>
-                  </a:txBody>
-                  <a:tcPr marL="11637" marR="11637" marT="12930" marB="12930"/>
-                </a:tc>
-                <a:tc>
-                  <a:txBody>
-                    <a:bodyPr/>
-                    <a:p>
-                      <a:pPr algn="ctr">
-                        <a:spcAft>
-                          <a:spcPts val="0"/>
-                        </a:spcAft>
-                        <a:defRPr/>
-                      </a:pPr>
-                      <a:r>
-                        <a:rPr lang="en-US" sz="2000">
-                          <a:latin typeface="Times New Roman"/>
-                          <a:cs typeface="Times New Roman"/>
-                        </a:rPr>
-                        <a:t> </a:t>
-                      </a:r>
-                      <a:r>
-                        <a:rPr lang="en-US" sz="2000" b="1">
-                          <a:solidFill>
-                            <a:srgbClr val="FFFFFF"/>
-                          </a:solidFill>
-                          <a:latin typeface="Times New Roman"/>
-                          <a:cs typeface="Times New Roman"/>
-                        </a:rPr>
-                        <a:t>Release Date</a:t>
-                      </a:r>
-                      <a:endParaRPr lang="en-US" sz="2000">
-                        <a:latin typeface="Times New Roman"/>
-                        <a:cs typeface="Times New Roman"/>
-                      </a:endParaRPr>
-                    </a:p>
-                  </a:txBody>
-                  <a:tcPr marL="11637" marR="11637" marT="12930" marB="12930"/>
-                </a:tc>
-              </a:tr>
-              <a:tr h="0">
-                <a:tc>
-                  <a:txBody>
-                    <a:bodyPr/>
-                    <a:p>
-                      <a:pPr>
-                        <a:spcAft>
-                          <a:spcPts val="0"/>
-                        </a:spcAft>
-                        <a:defRPr/>
-                      </a:pPr>
-                      <a:r>
-                        <a:rPr lang="en-US" sz="1200" b="1">
-                          <a:solidFill>
-                            <a:srgbClr val="000000"/>
-                          </a:solidFill>
-                          <a:latin typeface="Times New Roman"/>
-                          <a:cs typeface="Times New Roman"/>
-                        </a:rPr>
-                        <a:t>Java SE 12</a:t>
-                      </a:r>
-                      <a:endParaRPr lang="en-US" sz="1200">
-                        <a:latin typeface="Times New Roman"/>
-                        <a:cs typeface="Times New Roman"/>
-                      </a:endParaRPr>
-                    </a:p>
-                    <a:p>
-                      <a:pPr>
-                        <a:spcAft>
-                          <a:spcPts val="0"/>
-                        </a:spcAft>
-                        <a:defRPr/>
-                      </a:pPr>
-                      <a:r>
-                        <a:rPr lang="en-US" sz="1200">
-                          <a:latin typeface="Times New Roman"/>
-                          <a:cs typeface="Times New Roman"/>
-                        </a:rPr>
-                        <a:t> </a:t>
-                      </a:r>
-                      <a:endParaRPr/>
-                    </a:p>
-                  </a:txBody>
-                  <a:tcPr marL="68580" marR="68580" marT="76200" marB="76200"/>
-                </a:tc>
-                <a:tc>
-                  <a:txBody>
-                    <a:bodyPr/>
-                    <a:p>
-                      <a:pPr algn="ctr">
-                        <a:spcAft>
-                          <a:spcPts val="0"/>
-                        </a:spcAft>
-                        <a:defRPr/>
-                      </a:pPr>
-                      <a:r>
-                        <a:rPr lang="en-US" sz="1200">
-                          <a:latin typeface="Times New Roman"/>
-                          <a:cs typeface="Times New Roman"/>
-                        </a:rPr>
-                        <a:t> </a:t>
-                      </a:r>
-                      <a:endParaRPr/>
-                    </a:p>
-                    <a:p>
-                      <a:pPr algn="ctr">
-                        <a:spcAft>
-                          <a:spcPts val="0"/>
-                        </a:spcAft>
-                        <a:defRPr/>
-                      </a:pPr>
-                      <a:r>
-                        <a:rPr lang="en-US" sz="1200">
-                          <a:latin typeface="Times New Roman"/>
-                          <a:cs typeface="Times New Roman"/>
-                        </a:rPr>
-                        <a:t>12</a:t>
-                      </a:r>
-                      <a:endParaRPr/>
-                    </a:p>
-                    <a:p>
-                      <a:pPr algn="ctr">
-                        <a:spcAft>
-                          <a:spcPts val="0"/>
-                        </a:spcAft>
-                        <a:defRPr/>
-                      </a:pPr>
-                      <a:r>
-                        <a:rPr lang="en-US" sz="1200">
-                          <a:latin typeface="Times New Roman"/>
-                          <a:cs typeface="Times New Roman"/>
-                        </a:rPr>
-                        <a:t> </a:t>
-                      </a:r>
-                      <a:endParaRPr/>
-                    </a:p>
-                  </a:txBody>
-                  <a:tcPr marL="68580" marR="68580" marT="76200" marB="76200"/>
-                </a:tc>
-                <a:tc>
-                  <a:txBody>
-                    <a:bodyPr/>
-                    <a:p>
-                      <a:pPr algn="ctr">
-                        <a:spcAft>
-                          <a:spcPts val="0"/>
-                        </a:spcAft>
-                        <a:defRPr/>
-                      </a:pPr>
-                      <a:r>
-                        <a:rPr lang="en-US" sz="1200">
-                          <a:latin typeface="Times New Roman"/>
-                          <a:cs typeface="Times New Roman"/>
-                        </a:rPr>
-                        <a:t> </a:t>
-                      </a:r>
-                      <a:endParaRPr/>
-                    </a:p>
-                    <a:p>
-                      <a:pPr algn="ctr">
-                        <a:spcAft>
-                          <a:spcPts val="0"/>
-                        </a:spcAft>
-                        <a:defRPr/>
-                      </a:pPr>
-                      <a:r>
-                        <a:rPr lang="en-US" sz="1200">
-                          <a:solidFill>
-                            <a:srgbClr val="000000"/>
-                          </a:solidFill>
-                          <a:latin typeface="Times New Roman"/>
-                          <a:cs typeface="Times New Roman"/>
-                        </a:rPr>
-                        <a:t>March, 19th 2019</a:t>
-                      </a:r>
-                      <a:endParaRPr lang="en-US" sz="1200">
-                        <a:latin typeface="Times New Roman"/>
-                        <a:cs typeface="Times New Roman"/>
-                      </a:endParaRPr>
-                    </a:p>
-                  </a:txBody>
-                  <a:tcPr marL="68580" marR="68580" marT="76200" marB="76200"/>
-                </a:tc>
-              </a:tr>
-              <a:tr h="365760">
-                <a:tc>
-                  <a:txBody>
-                    <a:bodyPr/>
-                    <a:p>
-                      <a:pPr>
-                        <a:spcAft>
-                          <a:spcPts val="0"/>
-                        </a:spcAft>
-                        <a:defRPr/>
-                      </a:pPr>
-                      <a:r>
-                        <a:rPr lang="en-US" sz="1200">
-                          <a:latin typeface="Times New Roman"/>
-                          <a:cs typeface="Times New Roman"/>
-                        </a:rPr>
-                        <a:t> </a:t>
-                      </a:r>
-                      <a:endParaRPr/>
-                    </a:p>
-                    <a:p>
-                      <a:pPr>
-                        <a:spcAft>
-                          <a:spcPts val="0"/>
-                        </a:spcAft>
-                        <a:defRPr/>
-                      </a:pPr>
-                      <a:r>
-                        <a:rPr lang="en-US" sz="1200" b="1">
-                          <a:solidFill>
-                            <a:srgbClr val="000000"/>
-                          </a:solidFill>
-                          <a:latin typeface="Times New Roman"/>
-                          <a:cs typeface="Times New Roman"/>
-                        </a:rPr>
-                        <a:t>Java SE 13</a:t>
-                      </a:r>
-                      <a:endParaRPr lang="en-US" sz="1200">
-                        <a:latin typeface="Times New Roman"/>
-                        <a:cs typeface="Times New Roman"/>
-                      </a:endParaRPr>
-                    </a:p>
-                  </a:txBody>
-                  <a:tcPr marL="68580" marR="68580" marT="76200" marB="76200"/>
-                </a:tc>
-                <a:tc>
-                  <a:txBody>
-                    <a:bodyPr/>
-                    <a:p>
-                      <a:pPr algn="ctr">
-                        <a:defRPr/>
-                      </a:pPr>
-                      <a:r>
-                        <a:rPr lang="en-US" sz="1200">
-                          <a:latin typeface="Times New Roman"/>
-                          <a:cs typeface="Times New Roman"/>
-                        </a:rPr>
-                        <a:t>13</a:t>
-                      </a:r>
-                      <a:endParaRPr/>
-                    </a:p>
-                  </a:txBody>
-                  <a:tcPr marL="68580" marR="68580" marT="76200" marB="76200" anchor="ctr"/>
-                </a:tc>
-                <a:tc>
-                  <a:txBody>
-                    <a:bodyPr/>
-                    <a:p>
-                      <a:pPr algn="ctr">
-                        <a:spcAft>
-                          <a:spcPts val="0"/>
-                        </a:spcAft>
-                        <a:defRPr/>
-                      </a:pPr>
-                      <a:r>
-                        <a:rPr lang="en-US" sz="1200">
-                          <a:latin typeface="Times New Roman"/>
-                          <a:cs typeface="Times New Roman"/>
-                        </a:rPr>
-                        <a:t> </a:t>
-                      </a:r>
-                      <a:endParaRPr/>
-                    </a:p>
-                    <a:p>
-                      <a:pPr algn="ctr">
-                        <a:spcAft>
-                          <a:spcPts val="0"/>
-                        </a:spcAft>
-                        <a:defRPr/>
-                      </a:pPr>
-                      <a:r>
-                        <a:rPr lang="en-US" sz="1200">
-                          <a:solidFill>
-                            <a:srgbClr val="000000"/>
-                          </a:solidFill>
-                          <a:latin typeface="Times New Roman"/>
-                          <a:cs typeface="Times New Roman"/>
-                        </a:rPr>
-                        <a:t>September, 17th 2019</a:t>
-                      </a:r>
-                      <a:endParaRPr lang="en-US" sz="1200">
-                        <a:latin typeface="Times New Roman"/>
-                        <a:cs typeface="Times New Roman"/>
-                      </a:endParaRPr>
-                    </a:p>
-                    <a:p>
-                      <a:pPr algn="ctr">
-                        <a:spcAft>
-                          <a:spcPts val="0"/>
-                        </a:spcAft>
-                        <a:defRPr/>
-                      </a:pPr>
-                      <a:r>
-                        <a:rPr lang="en-US" sz="1200">
-                          <a:latin typeface="Times New Roman"/>
-                          <a:cs typeface="Times New Roman"/>
-                        </a:rPr>
-                        <a:t> </a:t>
-                      </a:r>
-                      <a:endParaRPr/>
-                    </a:p>
-                  </a:txBody>
-                  <a:tcPr marL="68580" marR="68580" marT="76200" marB="76200"/>
-                </a:tc>
-              </a:tr>
-              <a:tr h="722005">
-                <a:tc>
-                  <a:txBody>
-                    <a:bodyPr/>
-                    <a:p>
-                      <a:pPr>
-                        <a:spcAft>
-                          <a:spcPts val="0"/>
-                        </a:spcAft>
-                        <a:defRPr/>
-                      </a:pPr>
-                      <a:r>
-                        <a:rPr lang="en-US" sz="1200">
-                          <a:latin typeface="Times New Roman"/>
-                          <a:cs typeface="Times New Roman"/>
-                        </a:rPr>
-                        <a:t> </a:t>
-                      </a:r>
-                      <a:endParaRPr/>
-                    </a:p>
-                    <a:p>
-                      <a:pPr>
-                        <a:spcAft>
-                          <a:spcPts val="0"/>
-                        </a:spcAft>
-                        <a:defRPr/>
-                      </a:pPr>
-                      <a:r>
-                        <a:rPr lang="en-US" sz="1200" b="1">
-                          <a:solidFill>
-                            <a:srgbClr val="000000"/>
-                          </a:solidFill>
-                          <a:latin typeface="Times New Roman"/>
-                          <a:cs typeface="Times New Roman"/>
-                        </a:rPr>
-                        <a:t>Java SE 14</a:t>
-                      </a:r>
-                      <a:endParaRPr lang="en-US" sz="1200">
-                        <a:latin typeface="Times New Roman"/>
-                        <a:cs typeface="Times New Roman"/>
-                      </a:endParaRPr>
-                    </a:p>
-                    <a:p>
-                      <a:pPr>
-                        <a:spcAft>
-                          <a:spcPts val="0"/>
-                        </a:spcAft>
-                        <a:defRPr/>
-                      </a:pPr>
-                      <a:r>
-                        <a:rPr lang="en-US" sz="1200">
-                          <a:latin typeface="Times New Roman"/>
-                          <a:cs typeface="Times New Roman"/>
-                        </a:rPr>
-                        <a:t> </a:t>
-                      </a:r>
-                      <a:endParaRPr/>
-                    </a:p>
-                  </a:txBody>
-                  <a:tcPr marL="68580" marR="68580" marT="76200" marB="76200"/>
-                </a:tc>
-                <a:tc>
-                  <a:txBody>
-                    <a:bodyPr/>
-                    <a:p>
-                      <a:pPr algn="ctr">
-                        <a:defRPr/>
-                      </a:pPr>
-                      <a:r>
-                        <a:rPr lang="en-US" sz="1200">
-                          <a:latin typeface="Times New Roman"/>
-                          <a:cs typeface="Times New Roman"/>
-                        </a:rPr>
-                        <a:t>14 </a:t>
-                      </a:r>
-                      <a:endParaRPr/>
-                    </a:p>
-                  </a:txBody>
-                  <a:tcPr marL="68580" marR="68580" marT="76200" marB="76200" anchor="ctr"/>
-                </a:tc>
-                <a:tc>
-                  <a:txBody>
-                    <a:bodyPr/>
-                    <a:p>
-                      <a:pPr algn="ctr">
-                        <a:spcAft>
-                          <a:spcPts val="0"/>
-                        </a:spcAft>
-                        <a:defRPr/>
-                      </a:pPr>
-                      <a:r>
-                        <a:rPr lang="en-US" sz="1200">
-                          <a:latin typeface="Times New Roman"/>
-                          <a:cs typeface="Times New Roman"/>
-                        </a:rPr>
-                        <a:t>  </a:t>
-                      </a:r>
-                      <a:endParaRPr/>
-                    </a:p>
-                    <a:p>
-                      <a:pPr algn="ctr">
-                        <a:spcAft>
-                          <a:spcPts val="0"/>
-                        </a:spcAft>
-                        <a:defRPr/>
-                      </a:pPr>
-                      <a:r>
-                        <a:rPr lang="en-US" sz="1200">
-                          <a:solidFill>
-                            <a:srgbClr val="000000"/>
-                          </a:solidFill>
-                          <a:latin typeface="Times New Roman"/>
-                          <a:cs typeface="Times New Roman"/>
-                        </a:rPr>
-                        <a:t>March, 17th 2020</a:t>
-                      </a:r>
-                      <a:endParaRPr lang="en-US" sz="1200">
-                        <a:latin typeface="Times New Roman"/>
-                        <a:cs typeface="Times New Roman"/>
-                      </a:endParaRPr>
-                    </a:p>
-                  </a:txBody>
-                  <a:tcPr marL="68580" marR="68580" marT="76200" marB="76200"/>
-                </a:tc>
-              </a:tr>
-              <a:tr h="445750">
-                <a:tc>
-                  <a:txBody>
-                    <a:bodyPr/>
-                    <a:p>
-                      <a:pPr>
-                        <a:spcAft>
-                          <a:spcPts val="0"/>
-                        </a:spcAft>
-                        <a:defRPr/>
-                      </a:pPr>
-                      <a:r>
-                        <a:rPr lang="en-US" sz="1200">
-                          <a:latin typeface="Times New Roman"/>
-                          <a:cs typeface="Times New Roman"/>
-                        </a:rPr>
-                        <a:t> </a:t>
-                      </a:r>
-                      <a:endParaRPr/>
-                    </a:p>
-                    <a:p>
-                      <a:pPr>
-                        <a:spcAft>
-                          <a:spcPts val="0"/>
-                        </a:spcAft>
-                        <a:defRPr/>
-                      </a:pPr>
-                      <a:r>
-                        <a:rPr lang="en-US" sz="1200" b="1">
-                          <a:solidFill>
-                            <a:srgbClr val="000000"/>
-                          </a:solidFill>
-                          <a:latin typeface="Times New Roman"/>
-                          <a:cs typeface="Times New Roman"/>
-                        </a:rPr>
-                        <a:t>Java SE 15</a:t>
-                      </a:r>
-                      <a:endParaRPr lang="en-US" sz="1200">
-                        <a:latin typeface="Times New Roman"/>
-                        <a:cs typeface="Times New Roman"/>
-                      </a:endParaRPr>
-                    </a:p>
-                    <a:p>
-                      <a:pPr>
-                        <a:spcAft>
-                          <a:spcPts val="0"/>
-                        </a:spcAft>
-                        <a:defRPr/>
-                      </a:pPr>
-                      <a:r>
-                        <a:rPr lang="en-US" sz="1200">
-                          <a:latin typeface="Times New Roman"/>
-                          <a:cs typeface="Times New Roman"/>
-                        </a:rPr>
-                        <a:t> </a:t>
-                      </a:r>
-                      <a:endParaRPr/>
-                    </a:p>
-                  </a:txBody>
-                  <a:tcPr marL="68580" marR="68580" marT="76200" marB="76200"/>
-                </a:tc>
-                <a:tc>
-                  <a:txBody>
-                    <a:bodyPr/>
-                    <a:p>
-                      <a:pPr algn="ctr">
-                        <a:defRPr/>
-                      </a:pPr>
-                      <a:r>
-                        <a:rPr lang="en-US" sz="1200">
-                          <a:latin typeface="Times New Roman"/>
-                          <a:cs typeface="Times New Roman"/>
-                        </a:rPr>
-                        <a:t>15</a:t>
-                      </a:r>
-                      <a:endParaRPr/>
-                    </a:p>
-                  </a:txBody>
-                  <a:tcPr marL="68580" marR="68580" marT="76200" marB="76200" anchor="ctr"/>
-                </a:tc>
-                <a:tc>
-                  <a:txBody>
-                    <a:bodyPr/>
-                    <a:p>
-                      <a:pPr algn="ctr">
-                        <a:spcAft>
-                          <a:spcPts val="0"/>
-                        </a:spcAft>
-                        <a:defRPr/>
-                      </a:pPr>
-                      <a:r>
-                        <a:rPr lang="en-US" sz="1200">
-                          <a:latin typeface="Times New Roman"/>
-                          <a:cs typeface="Times New Roman"/>
-                        </a:rPr>
-                        <a:t> </a:t>
-                      </a:r>
-                      <a:endParaRPr/>
-                    </a:p>
-                    <a:p>
-                      <a:pPr algn="ctr">
-                        <a:spcAft>
-                          <a:spcPts val="0"/>
-                        </a:spcAft>
-                        <a:defRPr/>
-                      </a:pPr>
-                      <a:r>
-                        <a:rPr lang="en-US" sz="1200">
-                          <a:latin typeface="Times New Roman"/>
-                          <a:cs typeface="Times New Roman"/>
-                        </a:rPr>
-                        <a:t>September, 15th 2020</a:t>
-                      </a:r>
-                      <a:endParaRPr/>
-                    </a:p>
-                  </a:txBody>
-                  <a:tcPr marL="68580" marR="68580" marT="76200" marB="76200"/>
-                </a:tc>
-              </a:tr>
-              <a:tr h="696324">
-                <a:tc>
-                  <a:txBody>
-                    <a:bodyPr/>
-                    <a:p>
-                      <a:pPr>
-                        <a:spcAft>
-                          <a:spcPts val="0"/>
-                        </a:spcAft>
-                        <a:defRPr/>
-                      </a:pPr>
-                      <a:r>
-                        <a:rPr lang="en-US" sz="1200">
-                          <a:latin typeface="Times New Roman"/>
-                          <a:cs typeface="Times New Roman"/>
-                        </a:rPr>
-                        <a:t> </a:t>
-                      </a:r>
-                      <a:endParaRPr/>
-                    </a:p>
-                    <a:p>
-                      <a:pPr>
-                        <a:spcAft>
-                          <a:spcPts val="0"/>
-                        </a:spcAft>
-                        <a:defRPr/>
-                      </a:pPr>
-                      <a:r>
-                        <a:rPr lang="en-US" sz="1200" b="1">
-                          <a:latin typeface="Times New Roman"/>
-                          <a:cs typeface="Times New Roman"/>
-                        </a:rPr>
-                        <a:t>Java SE 16</a:t>
-                      </a:r>
-                      <a:endParaRPr lang="en-US" sz="1200">
-                        <a:latin typeface="Times New Roman"/>
-                        <a:cs typeface="Times New Roman"/>
-                      </a:endParaRPr>
-                    </a:p>
-                    <a:p>
-                      <a:pPr>
-                        <a:spcAft>
-                          <a:spcPts val="0"/>
-                        </a:spcAft>
-                        <a:defRPr/>
-                      </a:pPr>
-                      <a:r>
-                        <a:rPr lang="en-US" sz="1200">
-                          <a:latin typeface="Times New Roman"/>
-                          <a:cs typeface="Times New Roman"/>
-                        </a:rPr>
-                        <a:t> </a:t>
-                      </a:r>
-                      <a:endParaRPr/>
-                    </a:p>
-                  </a:txBody>
-                  <a:tcPr marL="68580" marR="68580" marT="76200" marB="76200"/>
-                </a:tc>
-                <a:tc>
-                  <a:txBody>
-                    <a:bodyPr/>
-                    <a:p>
-                      <a:pPr algn="ctr">
-                        <a:defRPr/>
-                      </a:pPr>
-                      <a:r>
-                        <a:rPr lang="en-US" sz="1200">
-                          <a:latin typeface="Times New Roman"/>
-                          <a:cs typeface="Times New Roman"/>
-                        </a:rPr>
-                        <a:t>16</a:t>
-                      </a:r>
-                      <a:endParaRPr/>
-                    </a:p>
-                  </a:txBody>
-                  <a:tcPr marL="68580" marR="68580" marT="76200" marB="76200" anchor="ctr"/>
-                </a:tc>
-                <a:tc>
-                  <a:txBody>
-                    <a:bodyPr/>
-                    <a:p>
-                      <a:pPr algn="ctr">
-                        <a:spcAft>
-                          <a:spcPts val="0"/>
-                        </a:spcAft>
-                        <a:defRPr/>
-                      </a:pPr>
-                      <a:r>
-                        <a:rPr lang="en-US" sz="1200">
-                          <a:latin typeface="Times New Roman"/>
-                          <a:cs typeface="Times New Roman"/>
-                        </a:rPr>
-                        <a:t> </a:t>
-                      </a:r>
-                      <a:endParaRPr/>
-                    </a:p>
-                    <a:p>
-                      <a:pPr algn="ctr">
-                        <a:spcAft>
-                          <a:spcPts val="0"/>
-                        </a:spcAft>
-                        <a:defRPr/>
-                      </a:pPr>
-                      <a:r>
-                        <a:rPr lang="en-US" sz="1200">
-                          <a:latin typeface="Times New Roman"/>
-                          <a:cs typeface="Times New Roman"/>
-                        </a:rPr>
-                        <a:t>March, 16th 2021</a:t>
-                      </a:r>
-                      <a:endParaRPr/>
-                    </a:p>
-                  </a:txBody>
-                  <a:tcPr marL="68580" marR="68580" marT="76200" marB="76200"/>
-                </a:tc>
-              </a:tr>
-              <a:tr h="546705">
-                <a:tc>
-                  <a:txBody>
-                    <a:bodyPr/>
-                    <a:p>
-                      <a:pPr>
-                        <a:spcAft>
-                          <a:spcPts val="0"/>
-                        </a:spcAft>
-                        <a:defRPr/>
-                      </a:pPr>
-                      <a:r>
-                        <a:rPr lang="en-US" sz="1200">
-                          <a:latin typeface="Times New Roman"/>
-                          <a:cs typeface="Times New Roman"/>
-                        </a:rPr>
-                        <a:t> </a:t>
-                      </a:r>
-                      <a:endParaRPr/>
-                    </a:p>
-                    <a:p>
-                      <a:pPr>
-                        <a:spcAft>
-                          <a:spcPts val="0"/>
-                        </a:spcAft>
-                        <a:defRPr/>
-                      </a:pPr>
-                      <a:r>
-                        <a:rPr lang="en-US" sz="1200" b="1">
-                          <a:solidFill>
-                            <a:srgbClr val="000000"/>
-                          </a:solidFill>
-                          <a:latin typeface="Times New Roman"/>
-                          <a:cs typeface="Times New Roman"/>
-                        </a:rPr>
-                        <a:t>Java SE 17</a:t>
-                      </a:r>
-                      <a:endParaRPr lang="en-US" sz="1200">
-                        <a:latin typeface="Times New Roman"/>
-                        <a:cs typeface="Times New Roman"/>
-                      </a:endParaRPr>
-                    </a:p>
-                    <a:p>
-                      <a:pPr>
-                        <a:spcAft>
-                          <a:spcPts val="0"/>
-                        </a:spcAft>
-                        <a:defRPr/>
-                      </a:pPr>
-                      <a:r>
-                        <a:rPr lang="en-US" sz="1200">
-                          <a:latin typeface="Times New Roman"/>
-                          <a:cs typeface="Times New Roman"/>
-                        </a:rPr>
-                        <a:t> </a:t>
-                      </a:r>
-                      <a:endParaRPr/>
-                    </a:p>
-                  </a:txBody>
-                  <a:tcPr marL="68580" marR="68580" marT="76200" marB="76200"/>
-                </a:tc>
-                <a:tc>
-                  <a:txBody>
-                    <a:bodyPr/>
-                    <a:p>
-                      <a:pPr algn="ctr">
-                        <a:defRPr/>
-                      </a:pPr>
-                      <a:r>
-                        <a:rPr lang="en-US" sz="1200">
-                          <a:solidFill>
-                            <a:srgbClr val="000000"/>
-                          </a:solidFill>
-                          <a:latin typeface="Times New Roman"/>
-                          <a:cs typeface="Times New Roman"/>
-                        </a:rPr>
-                        <a:t>17</a:t>
-                      </a:r>
-                      <a:endParaRPr lang="en-US" sz="1200">
-                        <a:latin typeface="Times New Roman"/>
-                        <a:cs typeface="Times New Roman"/>
-                      </a:endParaRPr>
-                    </a:p>
-                  </a:txBody>
-                  <a:tcPr marL="68580" marR="68580" marT="76200" marB="76200" anchor="ctr"/>
-                </a:tc>
-                <a:tc>
-                  <a:txBody>
-                    <a:bodyPr/>
-                    <a:p>
-                      <a:pPr algn="ctr">
-                        <a:spcAft>
-                          <a:spcPts val="0"/>
-                        </a:spcAft>
-                        <a:defRPr/>
-                      </a:pPr>
-                      <a:r>
-                        <a:rPr lang="en-US" sz="1200">
-                          <a:latin typeface="Times New Roman"/>
-                          <a:cs typeface="Times New Roman"/>
-                        </a:rPr>
-                        <a:t> </a:t>
-                      </a:r>
-                      <a:endParaRPr/>
-                    </a:p>
-                    <a:p>
-                      <a:pPr algn="ctr">
-                        <a:spcAft>
-                          <a:spcPts val="0"/>
-                        </a:spcAft>
-                        <a:defRPr/>
-                      </a:pPr>
-                      <a:r>
-                        <a:rPr lang="en-US" sz="1200">
-                          <a:solidFill>
-                            <a:srgbClr val="000000"/>
-                          </a:solidFill>
-                          <a:latin typeface="Times New Roman"/>
-                          <a:cs typeface="Times New Roman"/>
-                        </a:rPr>
-                        <a:t>September, 14th 2021</a:t>
-                      </a:r>
-                      <a:endParaRPr lang="en-US" sz="1200">
-                        <a:latin typeface="Times New Roman"/>
-                        <a:cs typeface="Times New Roman"/>
-                      </a:endParaRPr>
-                    </a:p>
-                  </a:txBody>
-                  <a:tcPr marL="68580" marR="68580" marT="76200" marB="76200"/>
-                </a:tc>
-              </a:tr>
-              <a:tr h="1053222">
-                <a:tc>
-                  <a:txBody>
-                    <a:bodyPr/>
-                    <a:p>
-                      <a:pPr>
-                        <a:spcAft>
-                          <a:spcPts val="0"/>
-                        </a:spcAft>
-                        <a:defRPr/>
-                      </a:pPr>
-                      <a:r>
-                        <a:rPr lang="en-US" sz="1000" b="1">
-                          <a:solidFill>
-                            <a:srgbClr val="000000"/>
-                          </a:solidFill>
-                          <a:latin typeface="Times New Roman"/>
-                          <a:cs typeface="Times New Roman"/>
-                        </a:rPr>
-                        <a:t>Java SE 18</a:t>
-                      </a:r>
-                      <a:endParaRPr lang="en-US" sz="1000">
-                        <a:solidFill>
-                          <a:srgbClr val="000000"/>
-                        </a:solidFill>
-                        <a:latin typeface="Times New Roman"/>
-                        <a:cs typeface="Times New Roman"/>
-                      </a:endParaRPr>
-                    </a:p>
-                    <a:p>
-                      <a:pPr>
-                        <a:spcAft>
-                          <a:spcPts val="0"/>
-                        </a:spcAft>
-                        <a:defRPr/>
-                      </a:pPr>
-                      <a:r>
-                        <a:rPr lang="en-US" sz="1000" b="1">
-                          <a:solidFill>
-                            <a:srgbClr val="000000"/>
-                          </a:solidFill>
-                          <a:latin typeface="Times New Roman"/>
-                          <a:cs typeface="Times New Roman"/>
-                        </a:rPr>
-                        <a:t> </a:t>
-                      </a:r>
-                      <a:endParaRPr lang="en-US" sz="1000">
-                        <a:solidFill>
-                          <a:srgbClr val="000000"/>
-                        </a:solidFill>
-                        <a:latin typeface="Times New Roman"/>
-                        <a:cs typeface="Times New Roman"/>
-                      </a:endParaRPr>
-                    </a:p>
-                  </a:txBody>
-                  <a:tcPr marL="68580" marR="68580" marT="76200" marB="76200"/>
-                </a:tc>
-                <a:tc>
-                  <a:txBody>
-                    <a:bodyPr/>
-                    <a:p>
-                      <a:pPr algn="ctr">
-                        <a:defRPr/>
-                      </a:pPr>
-                      <a:r>
-                        <a:rPr lang="en-US" sz="1000">
-                          <a:solidFill>
-                            <a:srgbClr val="000000"/>
-                          </a:solidFill>
-                          <a:latin typeface="Times New Roman"/>
-                          <a:cs typeface="Times New Roman"/>
-                        </a:rPr>
-                        <a:t>18</a:t>
-                      </a:r>
-                      <a:r>
-                        <a:rPr lang="en-US" sz="1000">
-                          <a:latin typeface="Times New Roman"/>
-                          <a:cs typeface="Times New Roman"/>
-                        </a:rPr>
-                        <a:t> </a:t>
-                      </a:r>
-                      <a:endParaRPr/>
-                    </a:p>
-                  </a:txBody>
-                  <a:tcPr marL="68580" marR="68580" marT="76200" marB="76200" anchor="ctr"/>
-                </a:tc>
-                <a:tc>
-                  <a:txBody>
-                    <a:bodyPr/>
-                    <a:p>
-                      <a:pPr algn="ctr">
-                        <a:spcAft>
-                          <a:spcPts val="0"/>
-                        </a:spcAft>
-                        <a:defRPr/>
-                      </a:pPr>
-                      <a:r>
-                        <a:rPr lang="en-US" sz="1000">
-                          <a:latin typeface="Times New Roman"/>
-                          <a:cs typeface="Times New Roman"/>
-                        </a:rPr>
-                        <a:t> </a:t>
-                      </a:r>
-                      <a:endParaRPr/>
-                    </a:p>
-                    <a:p>
-                      <a:pPr algn="ctr">
-                        <a:spcAft>
-                          <a:spcPts val="0"/>
-                        </a:spcAft>
-                        <a:defRPr/>
-                      </a:pPr>
-                      <a:r>
-                        <a:rPr lang="en-US" sz="1000">
-                          <a:solidFill>
-                            <a:srgbClr val="000000"/>
-                          </a:solidFill>
-                          <a:latin typeface="Times New Roman"/>
-                          <a:cs typeface="Times New Roman"/>
-                        </a:rPr>
-                        <a:t>March, 22nd 2022</a:t>
-                      </a:r>
-                      <a:endParaRPr lang="en-US" sz="1000">
-                        <a:latin typeface="Times New Roman"/>
-                        <a:cs typeface="Times New Roman"/>
-                      </a:endParaRPr>
-                    </a:p>
-                  </a:txBody>
-                  <a:tcPr marL="68580" marR="68580" marT="76200" marB="76200"/>
-                </a:tc>
-              </a:tr>
-            </a:tbl>
-          </a:graphicData>
-        </a:graphic>
-      </p:graphicFrame>
+      </p:pic>
     </p:spTree>
   </p:cSld>
   <p:clrMapOvr>
@@ -18391,14 +15802,10 @@
   </p:clrMapOvr>
   <mc:AlternateContent xmlns:mc="http://schemas.openxmlformats.org/markup-compatibility/2006">
     <mc:Choice xmlns:p14="http://schemas.microsoft.com/office/powerpoint/2010/main" Requires="p14">
-      <p:transition spd="med" p14:dur="700" advClick="1">
-        <p:fade thruBlk="0"/>
-      </p:transition>
+      <p:transition p14:dur="2000" advClick="1"/>
     </mc:Choice>
     <mc:Fallback>
-      <p:transition spd="med" advClick="1">
-        <p:fade thruBlk="0"/>
-      </p:transition>
+      <p:transition advClick="1"/>
     </mc:Fallback>
   </mc:AlternateContent>
 </p:sld>
